--- a/Meeting 4.pptx
+++ b/Meeting 4.pptx
@@ -5,42 +5,44 @@
     <p:sldMasterId id="2147483648" r:id="rId1"/>
   </p:sldMasterIdLst>
   <p:notesMasterIdLst>
-    <p:notesMasterId r:id="rId13"/>
+    <p:notesMasterId r:id="rId15"/>
   </p:notesMasterIdLst>
   <p:sldIdLst>
     <p:sldId id="256" r:id="rId2"/>
     <p:sldId id="257" r:id="rId3"/>
     <p:sldId id="258" r:id="rId4"/>
-    <p:sldId id="260" r:id="rId5"/>
-    <p:sldId id="261" r:id="rId6"/>
-    <p:sldId id="259" r:id="rId7"/>
-    <p:sldId id="267" r:id="rId8"/>
-    <p:sldId id="268" r:id="rId9"/>
-    <p:sldId id="262" r:id="rId10"/>
-    <p:sldId id="263" r:id="rId11"/>
-    <p:sldId id="266" r:id="rId12"/>
+    <p:sldId id="269" r:id="rId5"/>
+    <p:sldId id="260" r:id="rId6"/>
+    <p:sldId id="261" r:id="rId7"/>
+    <p:sldId id="270" r:id="rId8"/>
+    <p:sldId id="259" r:id="rId9"/>
+    <p:sldId id="267" r:id="rId10"/>
+    <p:sldId id="268" r:id="rId11"/>
+    <p:sldId id="262" r:id="rId12"/>
+    <p:sldId id="263" r:id="rId13"/>
+    <p:sldId id="266" r:id="rId14"/>
   </p:sldIdLst>
   <p:sldSz cx="12192000" cy="6858000"/>
   <p:notesSz cx="6858000" cy="9144000"/>
   <p:embeddedFontLst>
     <p:embeddedFont>
       <p:font typeface="Bahnschrift" panose="020B0502040204020203" pitchFamily="34" charset="0"/>
-      <p:regular r:id="rId14"/>
-      <p:bold r:id="rId15"/>
+      <p:regular r:id="rId16"/>
+      <p:bold r:id="rId17"/>
     </p:embeddedFont>
     <p:embeddedFont>
       <p:font typeface="Calibri" panose="020F0502020204030204" pitchFamily="34" charset="0"/>
-      <p:regular r:id="rId16"/>
-      <p:bold r:id="rId17"/>
-      <p:italic r:id="rId18"/>
-      <p:boldItalic r:id="rId19"/>
+      <p:regular r:id="rId18"/>
+      <p:bold r:id="rId19"/>
+      <p:italic r:id="rId20"/>
+      <p:boldItalic r:id="rId21"/>
     </p:embeddedFont>
     <p:embeddedFont>
       <p:font typeface="Source Sans Pro" panose="020B0503030403020204" pitchFamily="34" charset="0"/>
-      <p:regular r:id="rId20"/>
-      <p:bold r:id="rId21"/>
-      <p:italic r:id="rId22"/>
-      <p:boldItalic r:id="rId23"/>
+      <p:regular r:id="rId22"/>
+      <p:bold r:id="rId23"/>
+      <p:italic r:id="rId24"/>
+      <p:boldItalic r:id="rId25"/>
     </p:embeddedFont>
   </p:embeddedFontLst>
   <p:defaultTextStyle>
@@ -277,7 +279,7 @@
       <p15:sldGuideLst xmlns:p15="http://schemas.microsoft.com/office/powerpoint/2012/main"/>
     </p:ext>
     <p:ext uri="http://customooxmlschemas.google.com/">
-      <go:slidesCustomData xmlns:go="http://customooxmlschemas.google.com/" xmlns:ahyp="http://schemas.microsoft.com/office/drawing/2018/hyperlinkcolor" xmlns:p15="http://schemas.microsoft.com/office/powerpoint/2012/main" xmlns:p14="http://schemas.microsoft.com/office/powerpoint/2010/main" xmlns:com="http://schemas.openxmlformats.org/drawingml/2006/compatibility" xmlns:pvml="urn:schemas-microsoft-com:office:powerpoint" xmlns:v="urn:schemas-microsoft-com:vml" xmlns:o="urn:schemas-microsoft-com:office:office" xmlns:dgm="http://schemas.openxmlformats.org/drawingml/2006/diagram" xmlns:c="http://schemas.openxmlformats.org/drawingml/2006/chart" xmlns:mv="urn:schemas-microsoft-com:mac:vml" xmlns:mc="http://schemas.openxmlformats.org/markup-compatibility/2006" xmlns="" r:id="rId24" roundtripDataSignature="AMtx7miNcQ5lzAKSsnVwuol7XV2aqqF7xw=="/>
+      <go:slidesCustomData xmlns:go="http://customooxmlschemas.google.com/" xmlns:ahyp="http://schemas.microsoft.com/office/drawing/2018/hyperlinkcolor" xmlns:p15="http://schemas.microsoft.com/office/powerpoint/2012/main" xmlns:p14="http://schemas.microsoft.com/office/powerpoint/2010/main" xmlns:com="http://schemas.openxmlformats.org/drawingml/2006/compatibility" xmlns:pvml="urn:schemas-microsoft-com:office:powerpoint" xmlns:v="urn:schemas-microsoft-com:vml" xmlns:o="urn:schemas-microsoft-com:office:office" xmlns:dgm="http://schemas.openxmlformats.org/drawingml/2006/diagram" xmlns:c="http://schemas.openxmlformats.org/drawingml/2006/chart" xmlns:mv="urn:schemas-microsoft-com:mac:vml" xmlns:mc="http://schemas.openxmlformats.org/markup-compatibility/2006" xmlns="" r:id="rId26" roundtripDataSignature="AMtx7miNcQ5lzAKSsnVwuol7XV2aqqF7xw=="/>
     </p:ext>
   </p:extLst>
 </p:presentation>
@@ -12033,6 +12035,879 @@
 <file path=ppt/slides/slide10.xml><?xml version="1.0" encoding="utf-8"?>
 <p:sld xmlns:a="http://schemas.openxmlformats.org/drawingml/2006/main" xmlns:r="http://schemas.openxmlformats.org/officeDocument/2006/relationships" xmlns:p="http://schemas.openxmlformats.org/presentationml/2006/main">
   <p:cSld>
+    <p:spTree>
+      <p:nvGrpSpPr>
+        <p:cNvPr id="1" name=""/>
+        <p:cNvGrpSpPr/>
+        <p:nvPr/>
+      </p:nvGrpSpPr>
+      <p:grpSpPr>
+        <a:xfrm>
+          <a:off x="0" y="0"/>
+          <a:ext cx="0" cy="0"/>
+          <a:chOff x="0" y="0"/>
+          <a:chExt cx="0" cy="0"/>
+        </a:xfrm>
+      </p:grpSpPr>
+      <p:sp>
+        <p:nvSpPr>
+          <p:cNvPr id="2" name="Title 1">
+            <a:extLst>
+              <a:ext uri="{FF2B5EF4-FFF2-40B4-BE49-F238E27FC236}">
+                <a16:creationId xmlns:a16="http://schemas.microsoft.com/office/drawing/2014/main" id="{DB2E300C-37FE-4904-BF59-7633ABC44B66}"/>
+              </a:ext>
+            </a:extLst>
+          </p:cNvPr>
+          <p:cNvSpPr>
+            <a:spLocks noGrp="1"/>
+          </p:cNvSpPr>
+          <p:nvPr>
+            <p:ph type="title"/>
+          </p:nvPr>
+        </p:nvSpPr>
+        <p:spPr/>
+        <p:txBody>
+          <a:bodyPr/>
+          <a:lstStyle/>
+          <a:p>
+            <a:r>
+              <a:rPr lang="en-US" dirty="0"/>
+              <a:t>p281</a:t>
+            </a:r>
+          </a:p>
+        </p:txBody>
+      </p:sp>
+      <p:sp>
+        <p:nvSpPr>
+          <p:cNvPr id="3" name="Text Placeholder 2">
+            <a:extLst>
+              <a:ext uri="{FF2B5EF4-FFF2-40B4-BE49-F238E27FC236}">
+                <a16:creationId xmlns:a16="http://schemas.microsoft.com/office/drawing/2014/main" id="{D7B45096-00AA-41C6-8A08-FD1E400B2AE0}"/>
+              </a:ext>
+            </a:extLst>
+          </p:cNvPr>
+          <p:cNvSpPr>
+            <a:spLocks noGrp="1"/>
+          </p:cNvSpPr>
+          <p:nvPr>
+            <p:ph type="body" idx="1"/>
+          </p:nvPr>
+        </p:nvSpPr>
+        <p:spPr/>
+        <p:txBody>
+          <a:bodyPr/>
+          <a:lstStyle/>
+          <a:p>
+            <a:r>
+              <a:rPr lang="en-US" dirty="0"/>
+              <a:t>‘Such cultural influence can be observed in "cultural lag." People do not readily take ad- vantage of new structural opportunities which would require them to abandon established ways of life. This is not because they cling to cultural values, but because they are reluctant to abandon familiar strategies of action for which they have the cultural equipment.’</a:t>
+            </a:r>
+          </a:p>
+        </p:txBody>
+      </p:sp>
+      <p:sp>
+        <p:nvSpPr>
+          <p:cNvPr id="4" name="Date Placeholder 3">
+            <a:extLst>
+              <a:ext uri="{FF2B5EF4-FFF2-40B4-BE49-F238E27FC236}">
+                <a16:creationId xmlns:a16="http://schemas.microsoft.com/office/drawing/2014/main" id="{6A8505A9-B9EB-4A48-9810-CA88284D62A9}"/>
+              </a:ext>
+            </a:extLst>
+          </p:cNvPr>
+          <p:cNvSpPr>
+            <a:spLocks noGrp="1"/>
+          </p:cNvSpPr>
+          <p:nvPr>
+            <p:ph type="dt" idx="10"/>
+          </p:nvPr>
+        </p:nvSpPr>
+        <p:spPr/>
+        <p:txBody>
+          <a:bodyPr/>
+          <a:lstStyle/>
+          <a:p>
+            <a:fld id="{5B328F08-64B6-4D47-B5C4-52F88B5EC870}" type="datetime1">
+              <a:rPr lang="en-US" smtClean="0"/>
+              <a:t>4/19/2022</a:t>
+            </a:fld>
+            <a:endParaRPr lang="en-US" dirty="0"/>
+          </a:p>
+        </p:txBody>
+      </p:sp>
+      <p:sp>
+        <p:nvSpPr>
+          <p:cNvPr id="5" name="Slide Number Placeholder 4">
+            <a:extLst>
+              <a:ext uri="{FF2B5EF4-FFF2-40B4-BE49-F238E27FC236}">
+                <a16:creationId xmlns:a16="http://schemas.microsoft.com/office/drawing/2014/main" id="{E9FE1E70-09B8-4E0D-93B0-8BBA8F328045}"/>
+              </a:ext>
+            </a:extLst>
+          </p:cNvPr>
+          <p:cNvSpPr>
+            <a:spLocks noGrp="1"/>
+          </p:cNvSpPr>
+          <p:nvPr>
+            <p:ph type="sldNum" idx="12"/>
+          </p:nvPr>
+        </p:nvSpPr>
+        <p:spPr/>
+        <p:txBody>
+          <a:bodyPr/>
+          <a:lstStyle/>
+          <a:p>
+            <a:fld id="{00000000-1234-1234-1234-123412341234}" type="slidenum">
+              <a:rPr lang="en-US" smtClean="0"/>
+              <a:pPr/>
+              <a:t>10</a:t>
+            </a:fld>
+            <a:endParaRPr lang="en-US" dirty="0"/>
+          </a:p>
+        </p:txBody>
+      </p:sp>
+    </p:spTree>
+    <p:extLst>
+      <p:ext uri="{BB962C8B-B14F-4D97-AF65-F5344CB8AC3E}">
+        <p14:creationId xmlns:p14="http://schemas.microsoft.com/office/powerpoint/2010/main" val="2835386734"/>
+      </p:ext>
+    </p:extLst>
+  </p:cSld>
+  <p:clrMapOvr>
+    <a:masterClrMapping/>
+  </p:clrMapOvr>
+</p:sld>
+</file>
+
+<file path=ppt/slides/slide11.xml><?xml version="1.0" encoding="utf-8"?>
+<p:sld xmlns:a="http://schemas.openxmlformats.org/drawingml/2006/main" xmlns:r="http://schemas.openxmlformats.org/officeDocument/2006/relationships" xmlns:p="http://schemas.openxmlformats.org/presentationml/2006/main">
+  <p:cSld>
+    <p:spTree>
+      <p:nvGrpSpPr>
+        <p:cNvPr id="1" name="Shape 119"/>
+        <p:cNvGrpSpPr/>
+        <p:nvPr/>
+      </p:nvGrpSpPr>
+      <p:grpSpPr>
+        <a:xfrm>
+          <a:off x="0" y="0"/>
+          <a:ext cx="0" cy="0"/>
+          <a:chOff x="0" y="0"/>
+          <a:chExt cx="0" cy="0"/>
+        </a:xfrm>
+      </p:grpSpPr>
+      <p:sp>
+        <p:nvSpPr>
+          <p:cNvPr id="120" name="Google Shape;120;p7"/>
+          <p:cNvSpPr txBox="1">
+            <a:spLocks noGrp="1"/>
+          </p:cNvSpPr>
+          <p:nvPr>
+            <p:ph type="title"/>
+          </p:nvPr>
+        </p:nvSpPr>
+        <p:spPr>
+          <a:xfrm>
+            <a:off x="5214579" y="629266"/>
+            <a:ext cx="6422849" cy="1676603"/>
+          </a:xfrm>
+          <a:prstGeom prst="rect">
+            <a:avLst/>
+          </a:prstGeom>
+          <a:noFill/>
+          <a:ln>
+            <a:noFill/>
+          </a:ln>
+        </p:spPr>
+        <p:txBody>
+          <a:bodyPr spcFirstLastPara="1" wrap="square" lIns="91425" tIns="45700" rIns="91425" bIns="45700" anchor="ctr" anchorCtr="0">
+            <a:normAutofit/>
+          </a:bodyPr>
+          <a:lstStyle/>
+          <a:p>
+            <a:pPr marL="0" lvl="0" indent="0" algn="l" rtl="0">
+              <a:lnSpc>
+                <a:spcPct val="90000"/>
+              </a:lnSpc>
+              <a:spcBef>
+                <a:spcPts val="0"/>
+              </a:spcBef>
+              <a:spcAft>
+                <a:spcPts val="0"/>
+              </a:spcAft>
+              <a:buClr>
+                <a:schemeClr val="dk1"/>
+              </a:buClr>
+              <a:buSzPts val="4400"/>
+              <a:buFont typeface="Calibri"/>
+              <a:buNone/>
+            </a:pPr>
+            <a:r>
+              <a:rPr lang="en-US" b="1" dirty="0"/>
+              <a:t>Cultural Capital and Pierre Bourdieu</a:t>
+            </a:r>
+            <a:endParaRPr b="1" dirty="0"/>
+          </a:p>
+        </p:txBody>
+      </p:sp>
+      <p:sp>
+        <p:nvSpPr>
+          <p:cNvPr id="121" name="Google Shape;121;p7"/>
+          <p:cNvSpPr/>
+          <p:nvPr/>
+        </p:nvSpPr>
+        <p:spPr>
+          <a:xfrm>
+            <a:off x="0" y="0"/>
+            <a:ext cx="4636008" cy="6858000"/>
+          </a:xfrm>
+          <a:prstGeom prst="rect">
+            <a:avLst/>
+          </a:prstGeom>
+          <a:solidFill>
+            <a:srgbClr val="877967"/>
+          </a:solidFill>
+          <a:ln>
+            <a:noFill/>
+          </a:ln>
+        </p:spPr>
+        <p:txBody>
+          <a:bodyPr spcFirstLastPara="1" wrap="square" lIns="91425" tIns="45700" rIns="91425" bIns="45700" anchor="ctr" anchorCtr="0">
+            <a:noAutofit/>
+          </a:bodyPr>
+          <a:lstStyle/>
+          <a:p>
+            <a:pPr marL="0" marR="0" lvl="0" indent="0" algn="ctr" rtl="0">
+              <a:lnSpc>
+                <a:spcPct val="100000"/>
+              </a:lnSpc>
+              <a:spcBef>
+                <a:spcPts val="0"/>
+              </a:spcBef>
+              <a:spcAft>
+                <a:spcPts val="0"/>
+              </a:spcAft>
+              <a:buClr>
+                <a:schemeClr val="lt1"/>
+              </a:buClr>
+              <a:buSzPts val="1800"/>
+              <a:buFont typeface="Calibri"/>
+              <a:buNone/>
+            </a:pPr>
+            <a:endParaRPr sz="1800" b="0" i="0" u="none" strike="noStrike" cap="none" dirty="0">
+              <a:solidFill>
+                <a:srgbClr val="FFFFFF"/>
+              </a:solidFill>
+              <a:latin typeface="Bahnschrift" panose="020B0502040204020203" pitchFamily="34" charset="0"/>
+              <a:ea typeface="Calibri"/>
+              <a:cs typeface="Calibri"/>
+              <a:sym typeface="Calibri"/>
+            </a:endParaRPr>
+          </a:p>
+        </p:txBody>
+      </p:sp>
+      <p:sp>
+        <p:nvSpPr>
+          <p:cNvPr id="122" name="Google Shape;122;p7"/>
+          <p:cNvSpPr/>
+          <p:nvPr/>
+        </p:nvSpPr>
+        <p:spPr>
+          <a:xfrm>
+            <a:off x="484631" y="505245"/>
+            <a:ext cx="3666744" cy="5739187"/>
+          </a:xfrm>
+          <a:prstGeom prst="roundRect">
+            <a:avLst>
+              <a:gd name="adj" fmla="val 0"/>
+            </a:avLst>
+          </a:prstGeom>
+          <a:solidFill>
+            <a:srgbClr val="FFFFFF"/>
+          </a:solidFill>
+          <a:ln w="9525" cap="flat" cmpd="sng">
+            <a:solidFill>
+              <a:srgbClr val="C8CACA"/>
+            </a:solidFill>
+            <a:prstDash val="solid"/>
+            <a:miter lim="800000"/>
+            <a:headEnd type="none" w="sm" len="sm"/>
+            <a:tailEnd type="none" w="sm" len="sm"/>
+          </a:ln>
+          <a:effectLst>
+            <a:outerShdw blurRad="57150" dist="19050" dir="5400000" algn="t" rotWithShape="0">
+              <a:srgbClr val="000000">
+                <a:alpha val="62745"/>
+              </a:srgbClr>
+            </a:outerShdw>
+          </a:effectLst>
+        </p:spPr>
+        <p:txBody>
+          <a:bodyPr spcFirstLastPara="1" wrap="square" lIns="91425" tIns="45700" rIns="91425" bIns="45700" anchor="ctr" anchorCtr="0">
+            <a:noAutofit/>
+          </a:bodyPr>
+          <a:lstStyle/>
+          <a:p>
+            <a:pPr marL="0" marR="0" lvl="0" indent="0" algn="ctr" rtl="0">
+              <a:lnSpc>
+                <a:spcPct val="100000"/>
+              </a:lnSpc>
+              <a:spcBef>
+                <a:spcPts val="0"/>
+              </a:spcBef>
+              <a:spcAft>
+                <a:spcPts val="0"/>
+              </a:spcAft>
+              <a:buClr>
+                <a:schemeClr val="lt1"/>
+              </a:buClr>
+              <a:buSzPts val="1800"/>
+              <a:buFont typeface="Calibri"/>
+              <a:buNone/>
+            </a:pPr>
+            <a:endParaRPr sz="1800" b="0" i="0" u="none" strike="noStrike" cap="none" dirty="0">
+              <a:solidFill>
+                <a:srgbClr val="FFFFFF"/>
+              </a:solidFill>
+              <a:latin typeface="Bahnschrift" panose="020B0502040204020203" pitchFamily="34" charset="0"/>
+              <a:ea typeface="Calibri"/>
+              <a:cs typeface="Calibri"/>
+              <a:sym typeface="Calibri"/>
+            </a:endParaRPr>
+          </a:p>
+        </p:txBody>
+      </p:sp>
+      <p:sp>
+        <p:nvSpPr>
+          <p:cNvPr id="124" name="Google Shape;124;p7"/>
+          <p:cNvSpPr txBox="1">
+            <a:spLocks noGrp="1"/>
+          </p:cNvSpPr>
+          <p:nvPr>
+            <p:ph type="body" idx="1"/>
+          </p:nvPr>
+        </p:nvSpPr>
+        <p:spPr>
+          <a:xfrm>
+            <a:off x="5214581" y="2438400"/>
+            <a:ext cx="6422848" cy="3785419"/>
+          </a:xfrm>
+          <a:prstGeom prst="rect">
+            <a:avLst/>
+          </a:prstGeom>
+          <a:noFill/>
+          <a:ln>
+            <a:noFill/>
+          </a:ln>
+        </p:spPr>
+        <p:txBody>
+          <a:bodyPr spcFirstLastPara="1" wrap="square" lIns="91425" tIns="45700" rIns="91425" bIns="45700" anchor="t" anchorCtr="0">
+            <a:normAutofit fontScale="92500"/>
+          </a:bodyPr>
+          <a:lstStyle/>
+          <a:p>
+            <a:pPr marL="228600" indent="-228600">
+              <a:buSzPts val="2000"/>
+            </a:pPr>
+            <a:r>
+              <a:rPr lang="en-US" sz="2400" dirty="0"/>
+              <a:t>Bourdieu, Pierre and Jean-Claude </a:t>
+            </a:r>
+            <a:r>
+              <a:rPr lang="en-US" sz="2400" dirty="0" err="1"/>
+              <a:t>Passeron</a:t>
+            </a:r>
+            <a:r>
+              <a:rPr lang="en-US" sz="2400" dirty="0"/>
+              <a:t>. 1977[1970]. </a:t>
+            </a:r>
+            <a:r>
+              <a:rPr lang="en-US" sz="2400" i="1" dirty="0"/>
+              <a:t>Reproduction in Education, Society and Culture</a:t>
+            </a:r>
+            <a:r>
+              <a:rPr lang="en-US" sz="2400" dirty="0"/>
+              <a:t>. Beverly Hills, CA: Sage. </a:t>
+            </a:r>
+          </a:p>
+          <a:p>
+            <a:pPr marL="685800" lvl="1" indent="-228600">
+              <a:buSzPts val="2000"/>
+            </a:pPr>
+            <a:r>
+              <a:rPr lang="en-US" sz="2000" dirty="0">
+                <a:latin typeface="Bahnschrift" panose="020B0502040204020203" pitchFamily="34" charset="0"/>
+              </a:rPr>
+              <a:t>Reproduction of educational attainment by family background (dominant vs subordinate class)</a:t>
+            </a:r>
+          </a:p>
+          <a:p>
+            <a:pPr marL="685800" lvl="1" indent="-228600">
+              <a:buSzPts val="2000"/>
+            </a:pPr>
+            <a:r>
+              <a:rPr lang="en-US" sz="2000" dirty="0">
+                <a:latin typeface="Bahnschrift" panose="020B0502040204020203" pitchFamily="34" charset="0"/>
+              </a:rPr>
+              <a:t>Legitimation</a:t>
+            </a:r>
+          </a:p>
+          <a:p>
+            <a:pPr marL="228600" indent="-228600">
+              <a:spcBef>
+                <a:spcPts val="500"/>
+              </a:spcBef>
+              <a:buSzPts val="2000"/>
+            </a:pPr>
+            <a:r>
+              <a:rPr lang="en-US" sz="2400" dirty="0"/>
+              <a:t>Lamont and Lareau (1988): institutionalized, i.e., widely shared, high status cultural signals (attitudes, preferences, formal knowledge, behaviors, goods and credentials) used for social and cultural exclusion</a:t>
+            </a:r>
+          </a:p>
+          <a:p>
+            <a:pPr marL="685800" lvl="1" indent="-228600" algn="l" rtl="0">
+              <a:lnSpc>
+                <a:spcPct val="90000"/>
+              </a:lnSpc>
+              <a:spcBef>
+                <a:spcPts val="500"/>
+              </a:spcBef>
+              <a:spcAft>
+                <a:spcPts val="0"/>
+              </a:spcAft>
+              <a:buClr>
+                <a:schemeClr val="dk1"/>
+              </a:buClr>
+              <a:buSzPts val="2000"/>
+              <a:buChar char="•"/>
+            </a:pPr>
+            <a:endParaRPr lang="en-US" dirty="0">
+              <a:latin typeface="Bahnschrift" panose="020B0502040204020203" pitchFamily="34" charset="0"/>
+            </a:endParaRPr>
+          </a:p>
+        </p:txBody>
+      </p:sp>
+      <p:pic>
+        <p:nvPicPr>
+          <p:cNvPr id="1026" name="Picture 2" descr="Pierre Bourdieu - Wikipedia">
+            <a:extLst>
+              <a:ext uri="{FF2B5EF4-FFF2-40B4-BE49-F238E27FC236}">
+                <a16:creationId xmlns:a16="http://schemas.microsoft.com/office/drawing/2014/main" id="{79DE28AC-4008-4E14-AC72-4594D3541A2C}"/>
+              </a:ext>
+            </a:extLst>
+          </p:cNvPr>
+          <p:cNvPicPr>
+            <a:picLocks noChangeAspect="1" noChangeArrowheads="1"/>
+          </p:cNvPicPr>
+          <p:nvPr/>
+        </p:nvPicPr>
+        <p:blipFill>
+          <a:blip r:embed="rId3">
+            <a:extLst>
+              <a:ext uri="{28A0092B-C50C-407E-A947-70E740481C1C}">
+                <a14:useLocalDpi xmlns:a14="http://schemas.microsoft.com/office/drawing/2010/main" val="0"/>
+              </a:ext>
+            </a:extLst>
+          </a:blip>
+          <a:srcRect/>
+          <a:stretch>
+            <a:fillRect/>
+          </a:stretch>
+        </p:blipFill>
+        <p:spPr bwMode="auto">
+          <a:xfrm>
+            <a:off x="823576" y="1011218"/>
+            <a:ext cx="2988855" cy="4314017"/>
+          </a:xfrm>
+          <a:prstGeom prst="rect">
+            <a:avLst/>
+          </a:prstGeom>
+          <a:noFill/>
+          <a:extLst>
+            <a:ext uri="{909E8E84-426E-40DD-AFC4-6F175D3DCCD1}">
+              <a14:hiddenFill xmlns:a14="http://schemas.microsoft.com/office/drawing/2010/main">
+                <a:solidFill>
+                  <a:srgbClr val="FFFFFF"/>
+                </a:solidFill>
+              </a14:hiddenFill>
+            </a:ext>
+          </a:extLst>
+        </p:spPr>
+      </p:pic>
+      <p:sp>
+        <p:nvSpPr>
+          <p:cNvPr id="3" name="Rectangle 4">
+            <a:extLst>
+              <a:ext uri="{FF2B5EF4-FFF2-40B4-BE49-F238E27FC236}">
+                <a16:creationId xmlns:a16="http://schemas.microsoft.com/office/drawing/2014/main" id="{70A8D775-875C-4F0A-960E-2B0FBA876B73}"/>
+              </a:ext>
+            </a:extLst>
+          </p:cNvPr>
+          <p:cNvSpPr>
+            <a:spLocks noChangeArrowheads="1"/>
+          </p:cNvSpPr>
+          <p:nvPr/>
+        </p:nvSpPr>
+        <p:spPr bwMode="auto">
+          <a:xfrm>
+            <a:off x="171852" y="5413850"/>
+            <a:ext cx="4372716" cy="584775"/>
+          </a:xfrm>
+          <a:prstGeom prst="rect">
+            <a:avLst/>
+          </a:prstGeom>
+          <a:solidFill>
+            <a:srgbClr val="FFFFFF"/>
+          </a:solidFill>
+          <a:ln>
+            <a:noFill/>
+          </a:ln>
+          <a:effectLst/>
+          <a:extLst>
+            <a:ext uri="{91240B29-F687-4F45-9708-019B960494DF}">
+              <a14:hiddenLine xmlns:a14="http://schemas.microsoft.com/office/drawing/2010/main" w="9525">
+                <a:solidFill>
+                  <a:schemeClr val="tx1"/>
+                </a:solidFill>
+                <a:miter lim="800000"/>
+                <a:headEnd/>
+                <a:tailEnd/>
+              </a14:hiddenLine>
+            </a:ext>
+            <a:ext uri="{AF507438-7753-43E0-B8FC-AC1667EBCBE1}">
+              <a14:hiddenEffects xmlns:a14="http://schemas.microsoft.com/office/drawing/2010/main">
+                <a:effectLst>
+                  <a:outerShdw dist="35921" dir="2700000" algn="ctr" rotWithShape="0">
+                    <a:schemeClr val="bg2"/>
+                  </a:outerShdw>
+                </a:effectLst>
+              </a14:hiddenEffects>
+            </a:ext>
+          </a:extLst>
+        </p:spPr>
+        <p:txBody>
+          <a:bodyPr vert="horz" wrap="square" lIns="91440" tIns="45720" rIns="91440" bIns="45720" numCol="1" anchor="ctr" anchorCtr="0" compatLnSpc="1">
+            <a:prstTxWarp prst="textNoShape">
+              <a:avLst/>
+            </a:prstTxWarp>
+            <a:spAutoFit/>
+          </a:bodyPr>
+          <a:lstStyle>
+            <a:lvl1pPr eaLnBrk="0" fontAlgn="base" hangingPunct="0">
+              <a:spcBef>
+                <a:spcPct val="0"/>
+              </a:spcBef>
+              <a:spcAft>
+                <a:spcPct val="0"/>
+              </a:spcAft>
+              <a:defRPr>
+                <a:solidFill>
+                  <a:schemeClr val="tx1"/>
+                </a:solidFill>
+                <a:latin typeface="Arial" panose="020B0604020202020204" pitchFamily="34" charset="0"/>
+              </a:defRPr>
+            </a:lvl1pPr>
+            <a:lvl2pPr marL="457200" eaLnBrk="0" fontAlgn="base" hangingPunct="0">
+              <a:spcBef>
+                <a:spcPct val="0"/>
+              </a:spcBef>
+              <a:spcAft>
+                <a:spcPct val="0"/>
+              </a:spcAft>
+              <a:defRPr>
+                <a:solidFill>
+                  <a:schemeClr val="tx1"/>
+                </a:solidFill>
+                <a:latin typeface="Arial" panose="020B0604020202020204" pitchFamily="34" charset="0"/>
+              </a:defRPr>
+            </a:lvl2pPr>
+            <a:lvl3pPr marL="914400" eaLnBrk="0" fontAlgn="base" hangingPunct="0">
+              <a:spcBef>
+                <a:spcPct val="0"/>
+              </a:spcBef>
+              <a:spcAft>
+                <a:spcPct val="0"/>
+              </a:spcAft>
+              <a:defRPr>
+                <a:solidFill>
+                  <a:schemeClr val="tx1"/>
+                </a:solidFill>
+                <a:latin typeface="Arial" panose="020B0604020202020204" pitchFamily="34" charset="0"/>
+              </a:defRPr>
+            </a:lvl3pPr>
+            <a:lvl4pPr marL="1371600" eaLnBrk="0" fontAlgn="base" hangingPunct="0">
+              <a:spcBef>
+                <a:spcPct val="0"/>
+              </a:spcBef>
+              <a:spcAft>
+                <a:spcPct val="0"/>
+              </a:spcAft>
+              <a:defRPr>
+                <a:solidFill>
+                  <a:schemeClr val="tx1"/>
+                </a:solidFill>
+                <a:latin typeface="Arial" panose="020B0604020202020204" pitchFamily="34" charset="0"/>
+              </a:defRPr>
+            </a:lvl4pPr>
+            <a:lvl5pPr marL="1828800" eaLnBrk="0" fontAlgn="base" hangingPunct="0">
+              <a:spcBef>
+                <a:spcPct val="0"/>
+              </a:spcBef>
+              <a:spcAft>
+                <a:spcPct val="0"/>
+              </a:spcAft>
+              <a:defRPr>
+                <a:solidFill>
+                  <a:schemeClr val="tx1"/>
+                </a:solidFill>
+                <a:latin typeface="Arial" panose="020B0604020202020204" pitchFamily="34" charset="0"/>
+              </a:defRPr>
+            </a:lvl5pPr>
+            <a:lvl6pPr marL="2286000" eaLnBrk="0" fontAlgn="base" hangingPunct="0">
+              <a:spcBef>
+                <a:spcPct val="0"/>
+              </a:spcBef>
+              <a:spcAft>
+                <a:spcPct val="0"/>
+              </a:spcAft>
+              <a:defRPr>
+                <a:solidFill>
+                  <a:schemeClr val="tx1"/>
+                </a:solidFill>
+                <a:latin typeface="Arial" panose="020B0604020202020204" pitchFamily="34" charset="0"/>
+              </a:defRPr>
+            </a:lvl6pPr>
+            <a:lvl7pPr marL="2743200" eaLnBrk="0" fontAlgn="base" hangingPunct="0">
+              <a:spcBef>
+                <a:spcPct val="0"/>
+              </a:spcBef>
+              <a:spcAft>
+                <a:spcPct val="0"/>
+              </a:spcAft>
+              <a:defRPr>
+                <a:solidFill>
+                  <a:schemeClr val="tx1"/>
+                </a:solidFill>
+                <a:latin typeface="Arial" panose="020B0604020202020204" pitchFamily="34" charset="0"/>
+              </a:defRPr>
+            </a:lvl7pPr>
+            <a:lvl8pPr marL="3200400" eaLnBrk="0" fontAlgn="base" hangingPunct="0">
+              <a:spcBef>
+                <a:spcPct val="0"/>
+              </a:spcBef>
+              <a:spcAft>
+                <a:spcPct val="0"/>
+              </a:spcAft>
+              <a:defRPr>
+                <a:solidFill>
+                  <a:schemeClr val="tx1"/>
+                </a:solidFill>
+                <a:latin typeface="Arial" panose="020B0604020202020204" pitchFamily="34" charset="0"/>
+              </a:defRPr>
+            </a:lvl8pPr>
+            <a:lvl9pPr marL="3657600" eaLnBrk="0" fontAlgn="base" hangingPunct="0">
+              <a:spcBef>
+                <a:spcPct val="0"/>
+              </a:spcBef>
+              <a:spcAft>
+                <a:spcPct val="0"/>
+              </a:spcAft>
+              <a:defRPr>
+                <a:solidFill>
+                  <a:schemeClr val="tx1"/>
+                </a:solidFill>
+                <a:latin typeface="Arial" panose="020B0604020202020204" pitchFamily="34" charset="0"/>
+              </a:defRPr>
+            </a:lvl9pPr>
+          </a:lstStyle>
+          <a:p>
+            <a:pPr marL="0" marR="0" lvl="0" indent="0" algn="l" defTabSz="914400" rtl="0" eaLnBrk="0" fontAlgn="base" latinLnBrk="0" hangingPunct="0">
+              <a:lnSpc>
+                <a:spcPct val="100000"/>
+              </a:lnSpc>
+              <a:spcBef>
+                <a:spcPct val="0"/>
+              </a:spcBef>
+              <a:spcAft>
+                <a:spcPct val="0"/>
+              </a:spcAft>
+              <a:buClrTx/>
+              <a:buSzTx/>
+              <a:buFontTx/>
+              <a:buNone/>
+              <a:tabLst/>
+            </a:pPr>
+            <a:r>
+              <a:rPr kumimoji="0" lang="en-US" altLang="en-US" sz="1600" b="1" i="0" u="none" strike="noStrike" cap="none" normalizeH="0" baseline="0" dirty="0">
+                <a:ln>
+                  <a:noFill/>
+                </a:ln>
+                <a:solidFill>
+                  <a:srgbClr val="202122"/>
+                </a:solidFill>
+                <a:effectLst/>
+                <a:latin typeface="Bahnschrift" panose="020B0502040204020203" pitchFamily="34" charset="0"/>
+                <a:cs typeface="Arial" panose="020B0604020202020204" pitchFamily="34" charset="0"/>
+              </a:rPr>
+              <a:t>Pierre Bourdieu</a:t>
+            </a:r>
+            <a:r>
+              <a:rPr kumimoji="0" lang="en-US" altLang="en-US" sz="1600" b="0" i="0" u="none" strike="noStrike" cap="none" normalizeH="0" baseline="0" dirty="0">
+                <a:ln>
+                  <a:noFill/>
+                </a:ln>
+                <a:solidFill>
+                  <a:srgbClr val="202122"/>
+                </a:solidFill>
+                <a:effectLst/>
+                <a:latin typeface="Bahnschrift" panose="020B0502040204020203" pitchFamily="34" charset="0"/>
+                <a:cs typeface="Arial" panose="020B0604020202020204" pitchFamily="34" charset="0"/>
+              </a:rPr>
+              <a:t> (French: </a:t>
+            </a:r>
+            <a:r>
+              <a:rPr kumimoji="0" lang="en-US" altLang="en-US" sz="1600" b="0" i="0" u="none" strike="noStrike" cap="none" normalizeH="0" baseline="0" dirty="0">
+                <a:ln>
+                  <a:noFill/>
+                </a:ln>
+                <a:solidFill>
+                  <a:srgbClr val="0645AD"/>
+                </a:solidFill>
+                <a:effectLst/>
+                <a:latin typeface="Bahnschrift" panose="020B0502040204020203" pitchFamily="34" charset="0"/>
+                <a:cs typeface="Arial" panose="020B0604020202020204" pitchFamily="34" charset="0"/>
+                <a:hlinkClick r:id="rId4" tooltip="Help:IPA/French"/>
+              </a:rPr>
+              <a:t>[</a:t>
+            </a:r>
+            <a:r>
+              <a:rPr kumimoji="0" lang="en-US" altLang="en-US" sz="1600" b="0" i="0" u="none" strike="noStrike" cap="none" normalizeH="0" baseline="0" dirty="0" err="1">
+                <a:ln>
+                  <a:noFill/>
+                </a:ln>
+                <a:solidFill>
+                  <a:srgbClr val="0645AD"/>
+                </a:solidFill>
+                <a:effectLst/>
+                <a:latin typeface="Bahnschrift" panose="020B0502040204020203" pitchFamily="34" charset="0"/>
+                <a:cs typeface="Arial" panose="020B0604020202020204" pitchFamily="34" charset="0"/>
+                <a:hlinkClick r:id="rId4" tooltip="Help:IPA/French"/>
+              </a:rPr>
+              <a:t>buʁdjø</a:t>
+            </a:r>
+            <a:r>
+              <a:rPr kumimoji="0" lang="en-US" altLang="en-US" sz="1600" b="0" i="0" u="none" strike="noStrike" cap="none" normalizeH="0" baseline="0" dirty="0">
+                <a:ln>
+                  <a:noFill/>
+                </a:ln>
+                <a:solidFill>
+                  <a:srgbClr val="0645AD"/>
+                </a:solidFill>
+                <a:effectLst/>
+                <a:latin typeface="Bahnschrift" panose="020B0502040204020203" pitchFamily="34" charset="0"/>
+                <a:cs typeface="Arial" panose="020B0604020202020204" pitchFamily="34" charset="0"/>
+                <a:hlinkClick r:id="rId4" tooltip="Help:IPA/French"/>
+              </a:rPr>
+              <a:t>]</a:t>
+            </a:r>
+            <a:r>
+              <a:rPr kumimoji="0" lang="en-US" altLang="en-US" sz="1600" b="0" i="0" u="none" strike="noStrike" cap="none" normalizeH="0" baseline="0" dirty="0">
+                <a:ln>
+                  <a:noFill/>
+                </a:ln>
+                <a:solidFill>
+                  <a:srgbClr val="202122"/>
+                </a:solidFill>
+                <a:effectLst/>
+                <a:latin typeface="Bahnschrift" panose="020B0502040204020203" pitchFamily="34" charset="0"/>
+                <a:cs typeface="Arial" panose="020B0604020202020204" pitchFamily="34" charset="0"/>
+              </a:rPr>
+              <a:t>; 1 August 1930 – 23 January 2002) </a:t>
+            </a:r>
+            <a:r>
+              <a:rPr kumimoji="0" lang="en-US" altLang="en-US" sz="1600" b="0" i="0" u="none" strike="noStrike" cap="none" normalizeH="0" baseline="0" dirty="0">
+                <a:ln>
+                  <a:noFill/>
+                </a:ln>
+                <a:solidFill>
+                  <a:schemeClr val="tx1"/>
+                </a:solidFill>
+                <a:effectLst/>
+                <a:latin typeface="Bahnschrift" panose="020B0502040204020203" pitchFamily="34" charset="0"/>
+              </a:rPr>
+              <a:t> </a:t>
+            </a:r>
+          </a:p>
+        </p:txBody>
+      </p:sp>
+      <p:sp>
+        <p:nvSpPr>
+          <p:cNvPr id="2" name="Date Placeholder 1">
+            <a:extLst>
+              <a:ext uri="{FF2B5EF4-FFF2-40B4-BE49-F238E27FC236}">
+                <a16:creationId xmlns:a16="http://schemas.microsoft.com/office/drawing/2014/main" id="{E9A5A4CD-C9EA-4FED-BEA5-823DC30C11CB}"/>
+              </a:ext>
+            </a:extLst>
+          </p:cNvPr>
+          <p:cNvSpPr>
+            <a:spLocks noGrp="1"/>
+          </p:cNvSpPr>
+          <p:nvPr>
+            <p:ph type="dt" idx="10"/>
+          </p:nvPr>
+        </p:nvSpPr>
+        <p:spPr/>
+        <p:txBody>
+          <a:bodyPr/>
+          <a:lstStyle/>
+          <a:p>
+            <a:fld id="{7EAFE89E-45F9-45B6-AA40-7D71D2110CD8}" type="datetime1">
+              <a:rPr lang="en-US" smtClean="0"/>
+              <a:t>4/19/2022</a:t>
+            </a:fld>
+            <a:endParaRPr lang="en-US" dirty="0"/>
+          </a:p>
+        </p:txBody>
+      </p:sp>
+      <p:sp>
+        <p:nvSpPr>
+          <p:cNvPr id="4" name="Slide Number Placeholder 3">
+            <a:extLst>
+              <a:ext uri="{FF2B5EF4-FFF2-40B4-BE49-F238E27FC236}">
+                <a16:creationId xmlns:a16="http://schemas.microsoft.com/office/drawing/2014/main" id="{EDD580D4-2444-45A7-99AB-280CF624C823}"/>
+              </a:ext>
+            </a:extLst>
+          </p:cNvPr>
+          <p:cNvSpPr>
+            <a:spLocks noGrp="1"/>
+          </p:cNvSpPr>
+          <p:nvPr>
+            <p:ph type="sldNum" idx="12"/>
+          </p:nvPr>
+        </p:nvSpPr>
+        <p:spPr/>
+        <p:txBody>
+          <a:bodyPr/>
+          <a:lstStyle/>
+          <a:p>
+            <a:fld id="{00000000-1234-1234-1234-123412341234}" type="slidenum">
+              <a:rPr lang="en-US" smtClean="0"/>
+              <a:pPr/>
+              <a:t>11</a:t>
+            </a:fld>
+            <a:endParaRPr lang="en-US" dirty="0"/>
+          </a:p>
+        </p:txBody>
+      </p:sp>
+    </p:spTree>
+  </p:cSld>
+  <p:clrMapOvr>
+    <a:masterClrMapping/>
+  </p:clrMapOvr>
+</p:sld>
+</file>
+
+<file path=ppt/slides/slide12.xml><?xml version="1.0" encoding="utf-8"?>
+<p:sld xmlns:a="http://schemas.openxmlformats.org/drawingml/2006/main" xmlns:r="http://schemas.openxmlformats.org/officeDocument/2006/relationships" xmlns:p="http://schemas.openxmlformats.org/presentationml/2006/main">
+  <p:cSld>
     <p:bg>
       <p:bgPr>
         <a:solidFill>
@@ -12788,7 +13663,7 @@
 </p:sld>
 </file>
 
-<file path=ppt/slides/slide11.xml><?xml version="1.0" encoding="utf-8"?>
+<file path=ppt/slides/slide13.xml><?xml version="1.0" encoding="utf-8"?>
 <p:sld xmlns:a="http://schemas.openxmlformats.org/drawingml/2006/main" xmlns:r="http://schemas.openxmlformats.org/officeDocument/2006/relationships" xmlns:p="http://schemas.openxmlformats.org/presentationml/2006/main">
   <p:cSld>
     <p:spTree>
@@ -12994,7 +13869,7 @@
           <a:p>
             <a:fld id="{38630631-69E6-49C8-AEE6-87573947CFFF}" type="datetime1">
               <a:rPr lang="en-US" smtClean="0"/>
-              <a:t>4/12/2022</a:t>
+              <a:t>4/19/2022</a:t>
             </a:fld>
             <a:endParaRPr lang="en-US" dirty="0"/>
           </a:p>
@@ -13024,7 +13899,7 @@
             <a:fld id="{00000000-1234-1234-1234-123412341234}" type="slidenum">
               <a:rPr lang="en-US" smtClean="0"/>
               <a:pPr/>
-              <a:t>11</a:t>
+              <a:t>13</a:t>
             </a:fld>
             <a:endParaRPr lang="en-US" dirty="0"/>
           </a:p>
@@ -13332,6 +14207,12 @@
               </a:rPr>
               <a:t>Erickson and Goldthorpe class schema; Grusky and Weeden, micro-class;</a:t>
             </a:r>
+            <a:r>
+              <a:rPr lang="zh-CN" altLang="en-US" dirty="0">
+                <a:latin typeface="Bahnschrift" panose="020B0502040204020203" pitchFamily="34" charset="0"/>
+              </a:rPr>
+              <a:t>李路路：中国十大阶级</a:t>
+            </a:r>
             <a:endParaRPr dirty="0">
               <a:latin typeface="Bahnschrift" panose="020B0502040204020203" pitchFamily="34" charset="0"/>
             </a:endParaRPr>
@@ -13487,7 +14368,7 @@
             </a:pPr>
             <a:r>
               <a:rPr lang="en-US" dirty="0"/>
-              <a:t>Sociologists’ classic Social mobility = social class mobility ~~ intergenerational (social class) mobility </a:t>
+              <a:t>Sociologists’ classic Social mobility = social class mobility ~~ intergenerational (social class) immobility </a:t>
             </a:r>
             <a:endParaRPr dirty="0"/>
           </a:p>
@@ -13636,6 +14517,138 @@
 </file>
 
 <file path=ppt/slides/slide4.xml><?xml version="1.0" encoding="utf-8"?>
+<p:sld xmlns:a="http://schemas.openxmlformats.org/drawingml/2006/main" xmlns:r="http://schemas.openxmlformats.org/officeDocument/2006/relationships" xmlns:p="http://schemas.openxmlformats.org/presentationml/2006/main">
+  <p:cSld>
+    <p:spTree>
+      <p:nvGrpSpPr>
+        <p:cNvPr id="1" name=""/>
+        <p:cNvGrpSpPr/>
+        <p:nvPr/>
+      </p:nvGrpSpPr>
+      <p:grpSpPr>
+        <a:xfrm>
+          <a:off x="0" y="0"/>
+          <a:ext cx="0" cy="0"/>
+          <a:chOff x="0" y="0"/>
+          <a:chExt cx="0" cy="0"/>
+        </a:xfrm>
+      </p:grpSpPr>
+      <p:sp>
+        <p:nvSpPr>
+          <p:cNvPr id="2" name="Title 1">
+            <a:extLst>
+              <a:ext uri="{FF2B5EF4-FFF2-40B4-BE49-F238E27FC236}">
+                <a16:creationId xmlns:a16="http://schemas.microsoft.com/office/drawing/2014/main" id="{1FEC4E22-FBCD-44AA-A1BF-6FC407062335}"/>
+              </a:ext>
+            </a:extLst>
+          </p:cNvPr>
+          <p:cNvSpPr>
+            <a:spLocks noGrp="1"/>
+          </p:cNvSpPr>
+          <p:nvPr>
+            <p:ph type="title"/>
+          </p:nvPr>
+        </p:nvSpPr>
+        <p:spPr/>
+        <p:txBody>
+          <a:bodyPr/>
+          <a:lstStyle/>
+          <a:p>
+            <a:endParaRPr lang="en-US"/>
+          </a:p>
+        </p:txBody>
+      </p:sp>
+      <p:sp>
+        <p:nvSpPr>
+          <p:cNvPr id="3" name="Text Placeholder 2">
+            <a:extLst>
+              <a:ext uri="{FF2B5EF4-FFF2-40B4-BE49-F238E27FC236}">
+                <a16:creationId xmlns:a16="http://schemas.microsoft.com/office/drawing/2014/main" id="{613C4E35-2D7B-4051-9FA8-10AA9BBC653E}"/>
+              </a:ext>
+            </a:extLst>
+          </p:cNvPr>
+          <p:cNvSpPr>
+            <a:spLocks noGrp="1"/>
+          </p:cNvSpPr>
+          <p:nvPr>
+            <p:ph type="body" idx="1"/>
+          </p:nvPr>
+        </p:nvSpPr>
+        <p:spPr>
+          <a:xfrm>
+            <a:off x="217852" y="1639513"/>
+            <a:ext cx="11135948" cy="4537450"/>
+          </a:xfrm>
+        </p:spPr>
+        <p:txBody>
+          <a:bodyPr/>
+          <a:lstStyle/>
+          <a:p>
+            <a:endParaRPr lang="en-US" dirty="0"/>
+          </a:p>
+        </p:txBody>
+      </p:sp>
+      <p:pic>
+        <p:nvPicPr>
+          <p:cNvPr id="1026" name="Picture 2" descr="U.S. Kids Far Less Likely To Out-Earn Their Parents, As Inequality Grows :  The Two-Way : NPR">
+            <a:extLst>
+              <a:ext uri="{FF2B5EF4-FFF2-40B4-BE49-F238E27FC236}">
+                <a16:creationId xmlns:a16="http://schemas.microsoft.com/office/drawing/2014/main" id="{D90E381C-67CF-476F-9005-7465CD1FB6E7}"/>
+              </a:ext>
+            </a:extLst>
+          </p:cNvPr>
+          <p:cNvPicPr>
+            <a:picLocks noChangeAspect="1" noChangeArrowheads="1"/>
+          </p:cNvPicPr>
+          <p:nvPr/>
+        </p:nvPicPr>
+        <p:blipFill>
+          <a:blip r:embed="rId2">
+            <a:extLst>
+              <a:ext uri="{28A0092B-C50C-407E-A947-70E740481C1C}">
+                <a14:useLocalDpi xmlns:a14="http://schemas.microsoft.com/office/drawing/2010/main" val="0"/>
+              </a:ext>
+            </a:extLst>
+          </a:blip>
+          <a:srcRect/>
+          <a:stretch>
+            <a:fillRect/>
+          </a:stretch>
+        </p:blipFill>
+        <p:spPr bwMode="auto">
+          <a:xfrm>
+            <a:off x="983226" y="780767"/>
+            <a:ext cx="9790625" cy="5502353"/>
+          </a:xfrm>
+          <a:prstGeom prst="rect">
+            <a:avLst/>
+          </a:prstGeom>
+          <a:noFill/>
+          <a:extLst>
+            <a:ext uri="{909E8E84-426E-40DD-AFC4-6F175D3DCCD1}">
+              <a14:hiddenFill xmlns:a14="http://schemas.microsoft.com/office/drawing/2010/main">
+                <a:solidFill>
+                  <a:srgbClr val="FFFFFF"/>
+                </a:solidFill>
+              </a14:hiddenFill>
+            </a:ext>
+          </a:extLst>
+        </p:spPr>
+      </p:pic>
+    </p:spTree>
+    <p:extLst>
+      <p:ext uri="{BB962C8B-B14F-4D97-AF65-F5344CB8AC3E}">
+        <p14:creationId xmlns:p14="http://schemas.microsoft.com/office/powerpoint/2010/main" val="1391686369"/>
+      </p:ext>
+    </p:extLst>
+  </p:cSld>
+  <p:clrMapOvr>
+    <a:masterClrMapping/>
+  </p:clrMapOvr>
+</p:sld>
+</file>
+
+<file path=ppt/slides/slide5.xml><?xml version="1.0" encoding="utf-8"?>
 <p:sld xmlns:a="http://schemas.openxmlformats.org/drawingml/2006/main" xmlns:r="http://schemas.openxmlformats.org/officeDocument/2006/relationships" xmlns:p="http://schemas.openxmlformats.org/presentationml/2006/main">
   <p:cSld>
     <p:spTree>
@@ -13868,7 +14881,7 @@
 </p:sld>
 </file>
 
-<file path=ppt/slides/slide5.xml><?xml version="1.0" encoding="utf-8"?>
+<file path=ppt/slides/slide6.xml><?xml version="1.0" encoding="utf-8"?>
 <p:sld xmlns:a="http://schemas.openxmlformats.org/drawingml/2006/main" xmlns:r="http://schemas.openxmlformats.org/officeDocument/2006/relationships" xmlns:p="http://schemas.openxmlformats.org/presentationml/2006/main">
   <p:cSld>
     <p:spTree>
@@ -13978,7 +14991,139 @@
 </p:sld>
 </file>
 
-<file path=ppt/slides/slide6.xml><?xml version="1.0" encoding="utf-8"?>
+<file path=ppt/slides/slide7.xml><?xml version="1.0" encoding="utf-8"?>
+<p:sld xmlns:a="http://schemas.openxmlformats.org/drawingml/2006/main" xmlns:r="http://schemas.openxmlformats.org/officeDocument/2006/relationships" xmlns:p="http://schemas.openxmlformats.org/presentationml/2006/main">
+  <p:cSld>
+    <p:spTree>
+      <p:nvGrpSpPr>
+        <p:cNvPr id="1" name=""/>
+        <p:cNvGrpSpPr/>
+        <p:nvPr/>
+      </p:nvGrpSpPr>
+      <p:grpSpPr>
+        <a:xfrm>
+          <a:off x="0" y="0"/>
+          <a:ext cx="0" cy="0"/>
+          <a:chOff x="0" y="0"/>
+          <a:chExt cx="0" cy="0"/>
+        </a:xfrm>
+      </p:grpSpPr>
+      <p:sp>
+        <p:nvSpPr>
+          <p:cNvPr id="2" name="Title 1">
+            <a:extLst>
+              <a:ext uri="{FF2B5EF4-FFF2-40B4-BE49-F238E27FC236}">
+                <a16:creationId xmlns:a16="http://schemas.microsoft.com/office/drawing/2014/main" id="{167AF8ED-BFFB-491D-B1EB-CE62FC3C8387}"/>
+              </a:ext>
+            </a:extLst>
+          </p:cNvPr>
+          <p:cNvSpPr>
+            <a:spLocks noGrp="1"/>
+          </p:cNvSpPr>
+          <p:nvPr>
+            <p:ph type="title"/>
+          </p:nvPr>
+        </p:nvSpPr>
+        <p:spPr/>
+        <p:txBody>
+          <a:bodyPr/>
+          <a:lstStyle/>
+          <a:p>
+            <a:endParaRPr lang="en-US"/>
+          </a:p>
+        </p:txBody>
+      </p:sp>
+      <p:sp>
+        <p:nvSpPr>
+          <p:cNvPr id="3" name="Text Placeholder 2">
+            <a:extLst>
+              <a:ext uri="{FF2B5EF4-FFF2-40B4-BE49-F238E27FC236}">
+                <a16:creationId xmlns:a16="http://schemas.microsoft.com/office/drawing/2014/main" id="{64F27AEB-46F5-4765-A442-91C407346613}"/>
+              </a:ext>
+            </a:extLst>
+          </p:cNvPr>
+          <p:cNvSpPr>
+            <a:spLocks noGrp="1"/>
+          </p:cNvSpPr>
+          <p:nvPr>
+            <p:ph type="body" idx="1"/>
+          </p:nvPr>
+        </p:nvSpPr>
+        <p:spPr>
+          <a:xfrm>
+            <a:off x="208936" y="2190488"/>
+            <a:ext cx="11515126" cy="4389598"/>
+          </a:xfrm>
+        </p:spPr>
+        <p:txBody>
+          <a:bodyPr/>
+          <a:lstStyle/>
+          <a:p>
+            <a:endParaRPr lang="en-US" dirty="0"/>
+          </a:p>
+        </p:txBody>
+      </p:sp>
+      <p:pic>
+        <p:nvPicPr>
+          <p:cNvPr id="2050" name="Picture 2">
+            <a:extLst>
+              <a:ext uri="{FF2B5EF4-FFF2-40B4-BE49-F238E27FC236}">
+                <a16:creationId xmlns:a16="http://schemas.microsoft.com/office/drawing/2014/main" id="{74F22A73-45B4-43BC-A2F0-D6E5AA05D078}"/>
+              </a:ext>
+            </a:extLst>
+          </p:cNvPr>
+          <p:cNvPicPr>
+            <a:picLocks noChangeAspect="1" noChangeArrowheads="1"/>
+          </p:cNvPicPr>
+          <p:nvPr/>
+        </p:nvPicPr>
+        <p:blipFill>
+          <a:blip r:embed="rId2">
+            <a:extLst>
+              <a:ext uri="{28A0092B-C50C-407E-A947-70E740481C1C}">
+                <a14:useLocalDpi xmlns:a14="http://schemas.microsoft.com/office/drawing/2010/main" val="0"/>
+              </a:ext>
+            </a:extLst>
+          </a:blip>
+          <a:srcRect/>
+          <a:stretch>
+            <a:fillRect/>
+          </a:stretch>
+        </p:blipFill>
+        <p:spPr bwMode="auto">
+          <a:xfrm>
+            <a:off x="1390822" y="127874"/>
+            <a:ext cx="8821738" cy="6402184"/>
+          </a:xfrm>
+          <a:prstGeom prst="rect">
+            <a:avLst/>
+          </a:prstGeom>
+          <a:noFill/>
+          <a:extLst>
+            <a:ext uri="{909E8E84-426E-40DD-AFC4-6F175D3DCCD1}">
+              <a14:hiddenFill xmlns:a14="http://schemas.microsoft.com/office/drawing/2010/main">
+                <a:solidFill>
+                  <a:srgbClr val="FFFFFF"/>
+                </a:solidFill>
+              </a14:hiddenFill>
+            </a:ext>
+          </a:extLst>
+        </p:spPr>
+      </p:pic>
+    </p:spTree>
+    <p:extLst>
+      <p:ext uri="{BB962C8B-B14F-4D97-AF65-F5344CB8AC3E}">
+        <p14:creationId xmlns:p14="http://schemas.microsoft.com/office/powerpoint/2010/main" val="2673248068"/>
+      </p:ext>
+    </p:extLst>
+  </p:cSld>
+  <p:clrMapOvr>
+    <a:masterClrMapping/>
+  </p:clrMapOvr>
+</p:sld>
+</file>
+
+<file path=ppt/slides/slide8.xml><?xml version="1.0" encoding="utf-8"?>
 <p:sld xmlns:a="http://schemas.openxmlformats.org/drawingml/2006/main" xmlns:r="http://schemas.openxmlformats.org/officeDocument/2006/relationships" xmlns:p="http://schemas.openxmlformats.org/presentationml/2006/main">
   <p:cSld>
     <p:spTree>
@@ -14403,7 +15548,7 @@
           <a:p>
             <a:fld id="{023BF1C4-9E88-49A2-B70A-53643B2370B0}" type="datetime1">
               <a:rPr lang="en-US" smtClean="0"/>
-              <a:t>4/12/2022</a:t>
+              <a:t>4/19/2022</a:t>
             </a:fld>
             <a:endParaRPr lang="en-US" dirty="0"/>
           </a:p>
@@ -14433,7 +15578,7 @@
             <a:fld id="{00000000-1234-1234-1234-123412341234}" type="slidenum">
               <a:rPr lang="en-US" smtClean="0"/>
               <a:pPr/>
-              <a:t>6</a:t>
+              <a:t>8</a:t>
             </a:fld>
             <a:endParaRPr lang="en-US" dirty="0"/>
           </a:p>
@@ -14447,7 +15592,7 @@
 </p:sld>
 </file>
 
-<file path=ppt/slides/slide7.xml><?xml version="1.0" encoding="utf-8"?>
+<file path=ppt/slides/slide9.xml><?xml version="1.0" encoding="utf-8"?>
 <p:sld xmlns:a="http://schemas.openxmlformats.org/drawingml/2006/main" xmlns:r="http://schemas.openxmlformats.org/officeDocument/2006/relationships" xmlns:p="http://schemas.openxmlformats.org/presentationml/2006/main">
   <p:cSld>
     <p:spTree>
@@ -14566,7 +15711,7 @@
           <a:p>
             <a:fld id="{5FA1E280-1192-4CAD-A78E-640803E4A4D4}" type="datetime1">
               <a:rPr lang="en-US" smtClean="0"/>
-              <a:t>4/12/2022</a:t>
+              <a:t>4/19/2022</a:t>
             </a:fld>
             <a:endParaRPr lang="en-US" dirty="0"/>
           </a:p>
@@ -14596,7 +15741,7 @@
             <a:fld id="{00000000-1234-1234-1234-123412341234}" type="slidenum">
               <a:rPr lang="en-US" smtClean="0"/>
               <a:pPr/>
-              <a:t>7</a:t>
+              <a:t>9</a:t>
             </a:fld>
             <a:endParaRPr lang="en-US" dirty="0"/>
           </a:p>
@@ -14655,879 +15800,6 @@
         <p14:creationId xmlns:p14="http://schemas.microsoft.com/office/powerpoint/2010/main" val="1790223465"/>
       </p:ext>
     </p:extLst>
-  </p:cSld>
-  <p:clrMapOvr>
-    <a:masterClrMapping/>
-  </p:clrMapOvr>
-</p:sld>
-</file>
-
-<file path=ppt/slides/slide8.xml><?xml version="1.0" encoding="utf-8"?>
-<p:sld xmlns:a="http://schemas.openxmlformats.org/drawingml/2006/main" xmlns:r="http://schemas.openxmlformats.org/officeDocument/2006/relationships" xmlns:p="http://schemas.openxmlformats.org/presentationml/2006/main">
-  <p:cSld>
-    <p:spTree>
-      <p:nvGrpSpPr>
-        <p:cNvPr id="1" name=""/>
-        <p:cNvGrpSpPr/>
-        <p:nvPr/>
-      </p:nvGrpSpPr>
-      <p:grpSpPr>
-        <a:xfrm>
-          <a:off x="0" y="0"/>
-          <a:ext cx="0" cy="0"/>
-          <a:chOff x="0" y="0"/>
-          <a:chExt cx="0" cy="0"/>
-        </a:xfrm>
-      </p:grpSpPr>
-      <p:sp>
-        <p:nvSpPr>
-          <p:cNvPr id="2" name="Title 1">
-            <a:extLst>
-              <a:ext uri="{FF2B5EF4-FFF2-40B4-BE49-F238E27FC236}">
-                <a16:creationId xmlns:a16="http://schemas.microsoft.com/office/drawing/2014/main" id="{DB2E300C-37FE-4904-BF59-7633ABC44B66}"/>
-              </a:ext>
-            </a:extLst>
-          </p:cNvPr>
-          <p:cNvSpPr>
-            <a:spLocks noGrp="1"/>
-          </p:cNvSpPr>
-          <p:nvPr>
-            <p:ph type="title"/>
-          </p:nvPr>
-        </p:nvSpPr>
-        <p:spPr/>
-        <p:txBody>
-          <a:bodyPr/>
-          <a:lstStyle/>
-          <a:p>
-            <a:r>
-              <a:rPr lang="en-US" dirty="0"/>
-              <a:t>p281</a:t>
-            </a:r>
-          </a:p>
-        </p:txBody>
-      </p:sp>
-      <p:sp>
-        <p:nvSpPr>
-          <p:cNvPr id="3" name="Text Placeholder 2">
-            <a:extLst>
-              <a:ext uri="{FF2B5EF4-FFF2-40B4-BE49-F238E27FC236}">
-                <a16:creationId xmlns:a16="http://schemas.microsoft.com/office/drawing/2014/main" id="{D7B45096-00AA-41C6-8A08-FD1E400B2AE0}"/>
-              </a:ext>
-            </a:extLst>
-          </p:cNvPr>
-          <p:cNvSpPr>
-            <a:spLocks noGrp="1"/>
-          </p:cNvSpPr>
-          <p:nvPr>
-            <p:ph type="body" idx="1"/>
-          </p:nvPr>
-        </p:nvSpPr>
-        <p:spPr/>
-        <p:txBody>
-          <a:bodyPr/>
-          <a:lstStyle/>
-          <a:p>
-            <a:r>
-              <a:rPr lang="en-US" dirty="0"/>
-              <a:t>‘Such cultural influence can be observed in "cultural lag." People do not readily take ad- vantage of new structural opportunities which would require them to abandon established ways of life. This is not because they cling to cultural values, but because they are reluctant to abandon familiar strategies of action for which they have the cultural equipment.’</a:t>
-            </a:r>
-          </a:p>
-        </p:txBody>
-      </p:sp>
-      <p:sp>
-        <p:nvSpPr>
-          <p:cNvPr id="4" name="Date Placeholder 3">
-            <a:extLst>
-              <a:ext uri="{FF2B5EF4-FFF2-40B4-BE49-F238E27FC236}">
-                <a16:creationId xmlns:a16="http://schemas.microsoft.com/office/drawing/2014/main" id="{6A8505A9-B9EB-4A48-9810-CA88284D62A9}"/>
-              </a:ext>
-            </a:extLst>
-          </p:cNvPr>
-          <p:cNvSpPr>
-            <a:spLocks noGrp="1"/>
-          </p:cNvSpPr>
-          <p:nvPr>
-            <p:ph type="dt" idx="10"/>
-          </p:nvPr>
-        </p:nvSpPr>
-        <p:spPr/>
-        <p:txBody>
-          <a:bodyPr/>
-          <a:lstStyle/>
-          <a:p>
-            <a:fld id="{5B328F08-64B6-4D47-B5C4-52F88B5EC870}" type="datetime1">
-              <a:rPr lang="en-US" smtClean="0"/>
-              <a:t>4/12/2022</a:t>
-            </a:fld>
-            <a:endParaRPr lang="en-US" dirty="0"/>
-          </a:p>
-        </p:txBody>
-      </p:sp>
-      <p:sp>
-        <p:nvSpPr>
-          <p:cNvPr id="5" name="Slide Number Placeholder 4">
-            <a:extLst>
-              <a:ext uri="{FF2B5EF4-FFF2-40B4-BE49-F238E27FC236}">
-                <a16:creationId xmlns:a16="http://schemas.microsoft.com/office/drawing/2014/main" id="{E9FE1E70-09B8-4E0D-93B0-8BBA8F328045}"/>
-              </a:ext>
-            </a:extLst>
-          </p:cNvPr>
-          <p:cNvSpPr>
-            <a:spLocks noGrp="1"/>
-          </p:cNvSpPr>
-          <p:nvPr>
-            <p:ph type="sldNum" idx="12"/>
-          </p:nvPr>
-        </p:nvSpPr>
-        <p:spPr/>
-        <p:txBody>
-          <a:bodyPr/>
-          <a:lstStyle/>
-          <a:p>
-            <a:fld id="{00000000-1234-1234-1234-123412341234}" type="slidenum">
-              <a:rPr lang="en-US" smtClean="0"/>
-              <a:pPr/>
-              <a:t>8</a:t>
-            </a:fld>
-            <a:endParaRPr lang="en-US" dirty="0"/>
-          </a:p>
-        </p:txBody>
-      </p:sp>
-    </p:spTree>
-    <p:extLst>
-      <p:ext uri="{BB962C8B-B14F-4D97-AF65-F5344CB8AC3E}">
-        <p14:creationId xmlns:p14="http://schemas.microsoft.com/office/powerpoint/2010/main" val="2835386734"/>
-      </p:ext>
-    </p:extLst>
-  </p:cSld>
-  <p:clrMapOvr>
-    <a:masterClrMapping/>
-  </p:clrMapOvr>
-</p:sld>
-</file>
-
-<file path=ppt/slides/slide9.xml><?xml version="1.0" encoding="utf-8"?>
-<p:sld xmlns:a="http://schemas.openxmlformats.org/drawingml/2006/main" xmlns:r="http://schemas.openxmlformats.org/officeDocument/2006/relationships" xmlns:p="http://schemas.openxmlformats.org/presentationml/2006/main">
-  <p:cSld>
-    <p:spTree>
-      <p:nvGrpSpPr>
-        <p:cNvPr id="1" name="Shape 119"/>
-        <p:cNvGrpSpPr/>
-        <p:nvPr/>
-      </p:nvGrpSpPr>
-      <p:grpSpPr>
-        <a:xfrm>
-          <a:off x="0" y="0"/>
-          <a:ext cx="0" cy="0"/>
-          <a:chOff x="0" y="0"/>
-          <a:chExt cx="0" cy="0"/>
-        </a:xfrm>
-      </p:grpSpPr>
-      <p:sp>
-        <p:nvSpPr>
-          <p:cNvPr id="120" name="Google Shape;120;p7"/>
-          <p:cNvSpPr txBox="1">
-            <a:spLocks noGrp="1"/>
-          </p:cNvSpPr>
-          <p:nvPr>
-            <p:ph type="title"/>
-          </p:nvPr>
-        </p:nvSpPr>
-        <p:spPr>
-          <a:xfrm>
-            <a:off x="5214579" y="629266"/>
-            <a:ext cx="6422849" cy="1676603"/>
-          </a:xfrm>
-          <a:prstGeom prst="rect">
-            <a:avLst/>
-          </a:prstGeom>
-          <a:noFill/>
-          <a:ln>
-            <a:noFill/>
-          </a:ln>
-        </p:spPr>
-        <p:txBody>
-          <a:bodyPr spcFirstLastPara="1" wrap="square" lIns="91425" tIns="45700" rIns="91425" bIns="45700" anchor="ctr" anchorCtr="0">
-            <a:normAutofit/>
-          </a:bodyPr>
-          <a:lstStyle/>
-          <a:p>
-            <a:pPr marL="0" lvl="0" indent="0" algn="l" rtl="0">
-              <a:lnSpc>
-                <a:spcPct val="90000"/>
-              </a:lnSpc>
-              <a:spcBef>
-                <a:spcPts val="0"/>
-              </a:spcBef>
-              <a:spcAft>
-                <a:spcPts val="0"/>
-              </a:spcAft>
-              <a:buClr>
-                <a:schemeClr val="dk1"/>
-              </a:buClr>
-              <a:buSzPts val="4400"/>
-              <a:buFont typeface="Calibri"/>
-              <a:buNone/>
-            </a:pPr>
-            <a:r>
-              <a:rPr lang="en-US" b="1" dirty="0"/>
-              <a:t>Cultural Capital and Pierre Bourdieu</a:t>
-            </a:r>
-            <a:endParaRPr b="1" dirty="0"/>
-          </a:p>
-        </p:txBody>
-      </p:sp>
-      <p:sp>
-        <p:nvSpPr>
-          <p:cNvPr id="121" name="Google Shape;121;p7"/>
-          <p:cNvSpPr/>
-          <p:nvPr/>
-        </p:nvSpPr>
-        <p:spPr>
-          <a:xfrm>
-            <a:off x="0" y="0"/>
-            <a:ext cx="4636008" cy="6858000"/>
-          </a:xfrm>
-          <a:prstGeom prst="rect">
-            <a:avLst/>
-          </a:prstGeom>
-          <a:solidFill>
-            <a:srgbClr val="877967"/>
-          </a:solidFill>
-          <a:ln>
-            <a:noFill/>
-          </a:ln>
-        </p:spPr>
-        <p:txBody>
-          <a:bodyPr spcFirstLastPara="1" wrap="square" lIns="91425" tIns="45700" rIns="91425" bIns="45700" anchor="ctr" anchorCtr="0">
-            <a:noAutofit/>
-          </a:bodyPr>
-          <a:lstStyle/>
-          <a:p>
-            <a:pPr marL="0" marR="0" lvl="0" indent="0" algn="ctr" rtl="0">
-              <a:lnSpc>
-                <a:spcPct val="100000"/>
-              </a:lnSpc>
-              <a:spcBef>
-                <a:spcPts val="0"/>
-              </a:spcBef>
-              <a:spcAft>
-                <a:spcPts val="0"/>
-              </a:spcAft>
-              <a:buClr>
-                <a:schemeClr val="lt1"/>
-              </a:buClr>
-              <a:buSzPts val="1800"/>
-              <a:buFont typeface="Calibri"/>
-              <a:buNone/>
-            </a:pPr>
-            <a:endParaRPr sz="1800" b="0" i="0" u="none" strike="noStrike" cap="none" dirty="0">
-              <a:solidFill>
-                <a:srgbClr val="FFFFFF"/>
-              </a:solidFill>
-              <a:latin typeface="Bahnschrift" panose="020B0502040204020203" pitchFamily="34" charset="0"/>
-              <a:ea typeface="Calibri"/>
-              <a:cs typeface="Calibri"/>
-              <a:sym typeface="Calibri"/>
-            </a:endParaRPr>
-          </a:p>
-        </p:txBody>
-      </p:sp>
-      <p:sp>
-        <p:nvSpPr>
-          <p:cNvPr id="122" name="Google Shape;122;p7"/>
-          <p:cNvSpPr/>
-          <p:nvPr/>
-        </p:nvSpPr>
-        <p:spPr>
-          <a:xfrm>
-            <a:off x="484631" y="505245"/>
-            <a:ext cx="3666744" cy="5739187"/>
-          </a:xfrm>
-          <a:prstGeom prst="roundRect">
-            <a:avLst>
-              <a:gd name="adj" fmla="val 0"/>
-            </a:avLst>
-          </a:prstGeom>
-          <a:solidFill>
-            <a:srgbClr val="FFFFFF"/>
-          </a:solidFill>
-          <a:ln w="9525" cap="flat" cmpd="sng">
-            <a:solidFill>
-              <a:srgbClr val="C8CACA"/>
-            </a:solidFill>
-            <a:prstDash val="solid"/>
-            <a:miter lim="800000"/>
-            <a:headEnd type="none" w="sm" len="sm"/>
-            <a:tailEnd type="none" w="sm" len="sm"/>
-          </a:ln>
-          <a:effectLst>
-            <a:outerShdw blurRad="57150" dist="19050" dir="5400000" algn="t" rotWithShape="0">
-              <a:srgbClr val="000000">
-                <a:alpha val="62745"/>
-              </a:srgbClr>
-            </a:outerShdw>
-          </a:effectLst>
-        </p:spPr>
-        <p:txBody>
-          <a:bodyPr spcFirstLastPara="1" wrap="square" lIns="91425" tIns="45700" rIns="91425" bIns="45700" anchor="ctr" anchorCtr="0">
-            <a:noAutofit/>
-          </a:bodyPr>
-          <a:lstStyle/>
-          <a:p>
-            <a:pPr marL="0" marR="0" lvl="0" indent="0" algn="ctr" rtl="0">
-              <a:lnSpc>
-                <a:spcPct val="100000"/>
-              </a:lnSpc>
-              <a:spcBef>
-                <a:spcPts val="0"/>
-              </a:spcBef>
-              <a:spcAft>
-                <a:spcPts val="0"/>
-              </a:spcAft>
-              <a:buClr>
-                <a:schemeClr val="lt1"/>
-              </a:buClr>
-              <a:buSzPts val="1800"/>
-              <a:buFont typeface="Calibri"/>
-              <a:buNone/>
-            </a:pPr>
-            <a:endParaRPr sz="1800" b="0" i="0" u="none" strike="noStrike" cap="none" dirty="0">
-              <a:solidFill>
-                <a:srgbClr val="FFFFFF"/>
-              </a:solidFill>
-              <a:latin typeface="Bahnschrift" panose="020B0502040204020203" pitchFamily="34" charset="0"/>
-              <a:ea typeface="Calibri"/>
-              <a:cs typeface="Calibri"/>
-              <a:sym typeface="Calibri"/>
-            </a:endParaRPr>
-          </a:p>
-        </p:txBody>
-      </p:sp>
-      <p:sp>
-        <p:nvSpPr>
-          <p:cNvPr id="124" name="Google Shape;124;p7"/>
-          <p:cNvSpPr txBox="1">
-            <a:spLocks noGrp="1"/>
-          </p:cNvSpPr>
-          <p:nvPr>
-            <p:ph type="body" idx="1"/>
-          </p:nvPr>
-        </p:nvSpPr>
-        <p:spPr>
-          <a:xfrm>
-            <a:off x="5214581" y="2438400"/>
-            <a:ext cx="6422848" cy="3785419"/>
-          </a:xfrm>
-          <a:prstGeom prst="rect">
-            <a:avLst/>
-          </a:prstGeom>
-          <a:noFill/>
-          <a:ln>
-            <a:noFill/>
-          </a:ln>
-        </p:spPr>
-        <p:txBody>
-          <a:bodyPr spcFirstLastPara="1" wrap="square" lIns="91425" tIns="45700" rIns="91425" bIns="45700" anchor="t" anchorCtr="0">
-            <a:normAutofit fontScale="92500"/>
-          </a:bodyPr>
-          <a:lstStyle/>
-          <a:p>
-            <a:pPr marL="228600" indent="-228600">
-              <a:buSzPts val="2000"/>
-            </a:pPr>
-            <a:r>
-              <a:rPr lang="en-US" sz="2400" dirty="0"/>
-              <a:t>Bourdieu, Pierre and Jean-Claude </a:t>
-            </a:r>
-            <a:r>
-              <a:rPr lang="en-US" sz="2400" dirty="0" err="1"/>
-              <a:t>Passeron</a:t>
-            </a:r>
-            <a:r>
-              <a:rPr lang="en-US" sz="2400" dirty="0"/>
-              <a:t>. 1977[1970]. </a:t>
-            </a:r>
-            <a:r>
-              <a:rPr lang="en-US" sz="2400" i="1" dirty="0"/>
-              <a:t>Reproduction in Education, Society and Culture</a:t>
-            </a:r>
-            <a:r>
-              <a:rPr lang="en-US" sz="2400" dirty="0"/>
-              <a:t>. Beverly Hills, CA: Sage. </a:t>
-            </a:r>
-          </a:p>
-          <a:p>
-            <a:pPr marL="685800" lvl="1" indent="-228600">
-              <a:buSzPts val="2000"/>
-            </a:pPr>
-            <a:r>
-              <a:rPr lang="en-US" sz="2000" dirty="0">
-                <a:latin typeface="Bahnschrift" panose="020B0502040204020203" pitchFamily="34" charset="0"/>
-              </a:rPr>
-              <a:t>Reproduction of educational attainment by family background (dominant vs subordinate class)</a:t>
-            </a:r>
-          </a:p>
-          <a:p>
-            <a:pPr marL="685800" lvl="1" indent="-228600">
-              <a:buSzPts val="2000"/>
-            </a:pPr>
-            <a:r>
-              <a:rPr lang="en-US" sz="2000" dirty="0">
-                <a:latin typeface="Bahnschrift" panose="020B0502040204020203" pitchFamily="34" charset="0"/>
-              </a:rPr>
-              <a:t>Legitimation</a:t>
-            </a:r>
-          </a:p>
-          <a:p>
-            <a:pPr marL="228600" indent="-228600">
-              <a:spcBef>
-                <a:spcPts val="500"/>
-              </a:spcBef>
-              <a:buSzPts val="2000"/>
-            </a:pPr>
-            <a:r>
-              <a:rPr lang="en-US" sz="2400" dirty="0"/>
-              <a:t>Lamont and Lareau (1988): institutionalized, i.e., widely shared, high status cultural signals (attitudes, preferences, formal knowledge, behaviors, goods and credentials) used for social and cultural exclusion</a:t>
-            </a:r>
-          </a:p>
-          <a:p>
-            <a:pPr marL="685800" lvl="1" indent="-228600" algn="l" rtl="0">
-              <a:lnSpc>
-                <a:spcPct val="90000"/>
-              </a:lnSpc>
-              <a:spcBef>
-                <a:spcPts val="500"/>
-              </a:spcBef>
-              <a:spcAft>
-                <a:spcPts val="0"/>
-              </a:spcAft>
-              <a:buClr>
-                <a:schemeClr val="dk1"/>
-              </a:buClr>
-              <a:buSzPts val="2000"/>
-              <a:buChar char="•"/>
-            </a:pPr>
-            <a:endParaRPr lang="en-US" dirty="0">
-              <a:latin typeface="Bahnschrift" panose="020B0502040204020203" pitchFamily="34" charset="0"/>
-            </a:endParaRPr>
-          </a:p>
-        </p:txBody>
-      </p:sp>
-      <p:pic>
-        <p:nvPicPr>
-          <p:cNvPr id="1026" name="Picture 2" descr="Pierre Bourdieu - Wikipedia">
-            <a:extLst>
-              <a:ext uri="{FF2B5EF4-FFF2-40B4-BE49-F238E27FC236}">
-                <a16:creationId xmlns:a16="http://schemas.microsoft.com/office/drawing/2014/main" id="{79DE28AC-4008-4E14-AC72-4594D3541A2C}"/>
-              </a:ext>
-            </a:extLst>
-          </p:cNvPr>
-          <p:cNvPicPr>
-            <a:picLocks noChangeAspect="1" noChangeArrowheads="1"/>
-          </p:cNvPicPr>
-          <p:nvPr/>
-        </p:nvPicPr>
-        <p:blipFill>
-          <a:blip r:embed="rId3">
-            <a:extLst>
-              <a:ext uri="{28A0092B-C50C-407E-A947-70E740481C1C}">
-                <a14:useLocalDpi xmlns:a14="http://schemas.microsoft.com/office/drawing/2010/main" val="0"/>
-              </a:ext>
-            </a:extLst>
-          </a:blip>
-          <a:srcRect/>
-          <a:stretch>
-            <a:fillRect/>
-          </a:stretch>
-        </p:blipFill>
-        <p:spPr bwMode="auto">
-          <a:xfrm>
-            <a:off x="823576" y="1011218"/>
-            <a:ext cx="2988855" cy="4314017"/>
-          </a:xfrm>
-          <a:prstGeom prst="rect">
-            <a:avLst/>
-          </a:prstGeom>
-          <a:noFill/>
-          <a:extLst>
-            <a:ext uri="{909E8E84-426E-40DD-AFC4-6F175D3DCCD1}">
-              <a14:hiddenFill xmlns:a14="http://schemas.microsoft.com/office/drawing/2010/main">
-                <a:solidFill>
-                  <a:srgbClr val="FFFFFF"/>
-                </a:solidFill>
-              </a14:hiddenFill>
-            </a:ext>
-          </a:extLst>
-        </p:spPr>
-      </p:pic>
-      <p:sp>
-        <p:nvSpPr>
-          <p:cNvPr id="3" name="Rectangle 4">
-            <a:extLst>
-              <a:ext uri="{FF2B5EF4-FFF2-40B4-BE49-F238E27FC236}">
-                <a16:creationId xmlns:a16="http://schemas.microsoft.com/office/drawing/2014/main" id="{70A8D775-875C-4F0A-960E-2B0FBA876B73}"/>
-              </a:ext>
-            </a:extLst>
-          </p:cNvPr>
-          <p:cNvSpPr>
-            <a:spLocks noChangeArrowheads="1"/>
-          </p:cNvSpPr>
-          <p:nvPr/>
-        </p:nvSpPr>
-        <p:spPr bwMode="auto">
-          <a:xfrm>
-            <a:off x="171852" y="5413850"/>
-            <a:ext cx="4372716" cy="584775"/>
-          </a:xfrm>
-          <a:prstGeom prst="rect">
-            <a:avLst/>
-          </a:prstGeom>
-          <a:solidFill>
-            <a:srgbClr val="FFFFFF"/>
-          </a:solidFill>
-          <a:ln>
-            <a:noFill/>
-          </a:ln>
-          <a:effectLst/>
-          <a:extLst>
-            <a:ext uri="{91240B29-F687-4F45-9708-019B960494DF}">
-              <a14:hiddenLine xmlns:a14="http://schemas.microsoft.com/office/drawing/2010/main" w="9525">
-                <a:solidFill>
-                  <a:schemeClr val="tx1"/>
-                </a:solidFill>
-                <a:miter lim="800000"/>
-                <a:headEnd/>
-                <a:tailEnd/>
-              </a14:hiddenLine>
-            </a:ext>
-            <a:ext uri="{AF507438-7753-43E0-B8FC-AC1667EBCBE1}">
-              <a14:hiddenEffects xmlns:a14="http://schemas.microsoft.com/office/drawing/2010/main">
-                <a:effectLst>
-                  <a:outerShdw dist="35921" dir="2700000" algn="ctr" rotWithShape="0">
-                    <a:schemeClr val="bg2"/>
-                  </a:outerShdw>
-                </a:effectLst>
-              </a14:hiddenEffects>
-            </a:ext>
-          </a:extLst>
-        </p:spPr>
-        <p:txBody>
-          <a:bodyPr vert="horz" wrap="square" lIns="91440" tIns="45720" rIns="91440" bIns="45720" numCol="1" anchor="ctr" anchorCtr="0" compatLnSpc="1">
-            <a:prstTxWarp prst="textNoShape">
-              <a:avLst/>
-            </a:prstTxWarp>
-            <a:spAutoFit/>
-          </a:bodyPr>
-          <a:lstStyle>
-            <a:lvl1pPr eaLnBrk="0" fontAlgn="base" hangingPunct="0">
-              <a:spcBef>
-                <a:spcPct val="0"/>
-              </a:spcBef>
-              <a:spcAft>
-                <a:spcPct val="0"/>
-              </a:spcAft>
-              <a:defRPr>
-                <a:solidFill>
-                  <a:schemeClr val="tx1"/>
-                </a:solidFill>
-                <a:latin typeface="Arial" panose="020B0604020202020204" pitchFamily="34" charset="0"/>
-              </a:defRPr>
-            </a:lvl1pPr>
-            <a:lvl2pPr marL="457200" eaLnBrk="0" fontAlgn="base" hangingPunct="0">
-              <a:spcBef>
-                <a:spcPct val="0"/>
-              </a:spcBef>
-              <a:spcAft>
-                <a:spcPct val="0"/>
-              </a:spcAft>
-              <a:defRPr>
-                <a:solidFill>
-                  <a:schemeClr val="tx1"/>
-                </a:solidFill>
-                <a:latin typeface="Arial" panose="020B0604020202020204" pitchFamily="34" charset="0"/>
-              </a:defRPr>
-            </a:lvl2pPr>
-            <a:lvl3pPr marL="914400" eaLnBrk="0" fontAlgn="base" hangingPunct="0">
-              <a:spcBef>
-                <a:spcPct val="0"/>
-              </a:spcBef>
-              <a:spcAft>
-                <a:spcPct val="0"/>
-              </a:spcAft>
-              <a:defRPr>
-                <a:solidFill>
-                  <a:schemeClr val="tx1"/>
-                </a:solidFill>
-                <a:latin typeface="Arial" panose="020B0604020202020204" pitchFamily="34" charset="0"/>
-              </a:defRPr>
-            </a:lvl3pPr>
-            <a:lvl4pPr marL="1371600" eaLnBrk="0" fontAlgn="base" hangingPunct="0">
-              <a:spcBef>
-                <a:spcPct val="0"/>
-              </a:spcBef>
-              <a:spcAft>
-                <a:spcPct val="0"/>
-              </a:spcAft>
-              <a:defRPr>
-                <a:solidFill>
-                  <a:schemeClr val="tx1"/>
-                </a:solidFill>
-                <a:latin typeface="Arial" panose="020B0604020202020204" pitchFamily="34" charset="0"/>
-              </a:defRPr>
-            </a:lvl4pPr>
-            <a:lvl5pPr marL="1828800" eaLnBrk="0" fontAlgn="base" hangingPunct="0">
-              <a:spcBef>
-                <a:spcPct val="0"/>
-              </a:spcBef>
-              <a:spcAft>
-                <a:spcPct val="0"/>
-              </a:spcAft>
-              <a:defRPr>
-                <a:solidFill>
-                  <a:schemeClr val="tx1"/>
-                </a:solidFill>
-                <a:latin typeface="Arial" panose="020B0604020202020204" pitchFamily="34" charset="0"/>
-              </a:defRPr>
-            </a:lvl5pPr>
-            <a:lvl6pPr marL="2286000" eaLnBrk="0" fontAlgn="base" hangingPunct="0">
-              <a:spcBef>
-                <a:spcPct val="0"/>
-              </a:spcBef>
-              <a:spcAft>
-                <a:spcPct val="0"/>
-              </a:spcAft>
-              <a:defRPr>
-                <a:solidFill>
-                  <a:schemeClr val="tx1"/>
-                </a:solidFill>
-                <a:latin typeface="Arial" panose="020B0604020202020204" pitchFamily="34" charset="0"/>
-              </a:defRPr>
-            </a:lvl6pPr>
-            <a:lvl7pPr marL="2743200" eaLnBrk="0" fontAlgn="base" hangingPunct="0">
-              <a:spcBef>
-                <a:spcPct val="0"/>
-              </a:spcBef>
-              <a:spcAft>
-                <a:spcPct val="0"/>
-              </a:spcAft>
-              <a:defRPr>
-                <a:solidFill>
-                  <a:schemeClr val="tx1"/>
-                </a:solidFill>
-                <a:latin typeface="Arial" panose="020B0604020202020204" pitchFamily="34" charset="0"/>
-              </a:defRPr>
-            </a:lvl7pPr>
-            <a:lvl8pPr marL="3200400" eaLnBrk="0" fontAlgn="base" hangingPunct="0">
-              <a:spcBef>
-                <a:spcPct val="0"/>
-              </a:spcBef>
-              <a:spcAft>
-                <a:spcPct val="0"/>
-              </a:spcAft>
-              <a:defRPr>
-                <a:solidFill>
-                  <a:schemeClr val="tx1"/>
-                </a:solidFill>
-                <a:latin typeface="Arial" panose="020B0604020202020204" pitchFamily="34" charset="0"/>
-              </a:defRPr>
-            </a:lvl8pPr>
-            <a:lvl9pPr marL="3657600" eaLnBrk="0" fontAlgn="base" hangingPunct="0">
-              <a:spcBef>
-                <a:spcPct val="0"/>
-              </a:spcBef>
-              <a:spcAft>
-                <a:spcPct val="0"/>
-              </a:spcAft>
-              <a:defRPr>
-                <a:solidFill>
-                  <a:schemeClr val="tx1"/>
-                </a:solidFill>
-                <a:latin typeface="Arial" panose="020B0604020202020204" pitchFamily="34" charset="0"/>
-              </a:defRPr>
-            </a:lvl9pPr>
-          </a:lstStyle>
-          <a:p>
-            <a:pPr marL="0" marR="0" lvl="0" indent="0" algn="l" defTabSz="914400" rtl="0" eaLnBrk="0" fontAlgn="base" latinLnBrk="0" hangingPunct="0">
-              <a:lnSpc>
-                <a:spcPct val="100000"/>
-              </a:lnSpc>
-              <a:spcBef>
-                <a:spcPct val="0"/>
-              </a:spcBef>
-              <a:spcAft>
-                <a:spcPct val="0"/>
-              </a:spcAft>
-              <a:buClrTx/>
-              <a:buSzTx/>
-              <a:buFontTx/>
-              <a:buNone/>
-              <a:tabLst/>
-            </a:pPr>
-            <a:r>
-              <a:rPr kumimoji="0" lang="en-US" altLang="en-US" sz="1600" b="1" i="0" u="none" strike="noStrike" cap="none" normalizeH="0" baseline="0" dirty="0">
-                <a:ln>
-                  <a:noFill/>
-                </a:ln>
-                <a:solidFill>
-                  <a:srgbClr val="202122"/>
-                </a:solidFill>
-                <a:effectLst/>
-                <a:latin typeface="Bahnschrift" panose="020B0502040204020203" pitchFamily="34" charset="0"/>
-                <a:cs typeface="Arial" panose="020B0604020202020204" pitchFamily="34" charset="0"/>
-              </a:rPr>
-              <a:t>Pierre Bourdieu</a:t>
-            </a:r>
-            <a:r>
-              <a:rPr kumimoji="0" lang="en-US" altLang="en-US" sz="1600" b="0" i="0" u="none" strike="noStrike" cap="none" normalizeH="0" baseline="0" dirty="0">
-                <a:ln>
-                  <a:noFill/>
-                </a:ln>
-                <a:solidFill>
-                  <a:srgbClr val="202122"/>
-                </a:solidFill>
-                <a:effectLst/>
-                <a:latin typeface="Bahnschrift" panose="020B0502040204020203" pitchFamily="34" charset="0"/>
-                <a:cs typeface="Arial" panose="020B0604020202020204" pitchFamily="34" charset="0"/>
-              </a:rPr>
-              <a:t> (French: </a:t>
-            </a:r>
-            <a:r>
-              <a:rPr kumimoji="0" lang="en-US" altLang="en-US" sz="1600" b="0" i="0" u="none" strike="noStrike" cap="none" normalizeH="0" baseline="0" dirty="0">
-                <a:ln>
-                  <a:noFill/>
-                </a:ln>
-                <a:solidFill>
-                  <a:srgbClr val="0645AD"/>
-                </a:solidFill>
-                <a:effectLst/>
-                <a:latin typeface="Bahnschrift" panose="020B0502040204020203" pitchFamily="34" charset="0"/>
-                <a:cs typeface="Arial" panose="020B0604020202020204" pitchFamily="34" charset="0"/>
-                <a:hlinkClick r:id="rId4" tooltip="Help:IPA/French"/>
-              </a:rPr>
-              <a:t>[</a:t>
-            </a:r>
-            <a:r>
-              <a:rPr kumimoji="0" lang="en-US" altLang="en-US" sz="1600" b="0" i="0" u="none" strike="noStrike" cap="none" normalizeH="0" baseline="0" dirty="0" err="1">
-                <a:ln>
-                  <a:noFill/>
-                </a:ln>
-                <a:solidFill>
-                  <a:srgbClr val="0645AD"/>
-                </a:solidFill>
-                <a:effectLst/>
-                <a:latin typeface="Bahnschrift" panose="020B0502040204020203" pitchFamily="34" charset="0"/>
-                <a:cs typeface="Arial" panose="020B0604020202020204" pitchFamily="34" charset="0"/>
-                <a:hlinkClick r:id="rId4" tooltip="Help:IPA/French"/>
-              </a:rPr>
-              <a:t>buʁdjø</a:t>
-            </a:r>
-            <a:r>
-              <a:rPr kumimoji="0" lang="en-US" altLang="en-US" sz="1600" b="0" i="0" u="none" strike="noStrike" cap="none" normalizeH="0" baseline="0" dirty="0">
-                <a:ln>
-                  <a:noFill/>
-                </a:ln>
-                <a:solidFill>
-                  <a:srgbClr val="0645AD"/>
-                </a:solidFill>
-                <a:effectLst/>
-                <a:latin typeface="Bahnschrift" panose="020B0502040204020203" pitchFamily="34" charset="0"/>
-                <a:cs typeface="Arial" panose="020B0604020202020204" pitchFamily="34" charset="0"/>
-                <a:hlinkClick r:id="rId4" tooltip="Help:IPA/French"/>
-              </a:rPr>
-              <a:t>]</a:t>
-            </a:r>
-            <a:r>
-              <a:rPr kumimoji="0" lang="en-US" altLang="en-US" sz="1600" b="0" i="0" u="none" strike="noStrike" cap="none" normalizeH="0" baseline="0" dirty="0">
-                <a:ln>
-                  <a:noFill/>
-                </a:ln>
-                <a:solidFill>
-                  <a:srgbClr val="202122"/>
-                </a:solidFill>
-                <a:effectLst/>
-                <a:latin typeface="Bahnschrift" panose="020B0502040204020203" pitchFamily="34" charset="0"/>
-                <a:cs typeface="Arial" panose="020B0604020202020204" pitchFamily="34" charset="0"/>
-              </a:rPr>
-              <a:t>; 1 August 1930 – 23 January 2002) </a:t>
-            </a:r>
-            <a:r>
-              <a:rPr kumimoji="0" lang="en-US" altLang="en-US" sz="1600" b="0" i="0" u="none" strike="noStrike" cap="none" normalizeH="0" baseline="0" dirty="0">
-                <a:ln>
-                  <a:noFill/>
-                </a:ln>
-                <a:solidFill>
-                  <a:schemeClr val="tx1"/>
-                </a:solidFill>
-                <a:effectLst/>
-                <a:latin typeface="Bahnschrift" panose="020B0502040204020203" pitchFamily="34" charset="0"/>
-              </a:rPr>
-              <a:t> </a:t>
-            </a:r>
-          </a:p>
-        </p:txBody>
-      </p:sp>
-      <p:sp>
-        <p:nvSpPr>
-          <p:cNvPr id="2" name="Date Placeholder 1">
-            <a:extLst>
-              <a:ext uri="{FF2B5EF4-FFF2-40B4-BE49-F238E27FC236}">
-                <a16:creationId xmlns:a16="http://schemas.microsoft.com/office/drawing/2014/main" id="{E9A5A4CD-C9EA-4FED-BEA5-823DC30C11CB}"/>
-              </a:ext>
-            </a:extLst>
-          </p:cNvPr>
-          <p:cNvSpPr>
-            <a:spLocks noGrp="1"/>
-          </p:cNvSpPr>
-          <p:nvPr>
-            <p:ph type="dt" idx="10"/>
-          </p:nvPr>
-        </p:nvSpPr>
-        <p:spPr/>
-        <p:txBody>
-          <a:bodyPr/>
-          <a:lstStyle/>
-          <a:p>
-            <a:fld id="{7EAFE89E-45F9-45B6-AA40-7D71D2110CD8}" type="datetime1">
-              <a:rPr lang="en-US" smtClean="0"/>
-              <a:t>4/12/2022</a:t>
-            </a:fld>
-            <a:endParaRPr lang="en-US" dirty="0"/>
-          </a:p>
-        </p:txBody>
-      </p:sp>
-      <p:sp>
-        <p:nvSpPr>
-          <p:cNvPr id="4" name="Slide Number Placeholder 3">
-            <a:extLst>
-              <a:ext uri="{FF2B5EF4-FFF2-40B4-BE49-F238E27FC236}">
-                <a16:creationId xmlns:a16="http://schemas.microsoft.com/office/drawing/2014/main" id="{EDD580D4-2444-45A7-99AB-280CF624C823}"/>
-              </a:ext>
-            </a:extLst>
-          </p:cNvPr>
-          <p:cNvSpPr>
-            <a:spLocks noGrp="1"/>
-          </p:cNvSpPr>
-          <p:nvPr>
-            <p:ph type="sldNum" idx="12"/>
-          </p:nvPr>
-        </p:nvSpPr>
-        <p:spPr/>
-        <p:txBody>
-          <a:bodyPr/>
-          <a:lstStyle/>
-          <a:p>
-            <a:fld id="{00000000-1234-1234-1234-123412341234}" type="slidenum">
-              <a:rPr lang="en-US" smtClean="0"/>
-              <a:pPr/>
-              <a:t>9</a:t>
-            </a:fld>
-            <a:endParaRPr lang="en-US" dirty="0"/>
-          </a:p>
-        </p:txBody>
-      </p:sp>
-    </p:spTree>
   </p:cSld>
   <p:clrMapOvr>
     <a:masterClrMapping/>

--- a/Meeting 4.pptx
+++ b/Meeting 4.pptx
@@ -16,11 +16,11 @@
     <p:sldId id="261" r:id="rId7"/>
     <p:sldId id="270" r:id="rId8"/>
     <p:sldId id="259" r:id="rId9"/>
-    <p:sldId id="267" r:id="rId10"/>
-    <p:sldId id="268" r:id="rId11"/>
-    <p:sldId id="262" r:id="rId12"/>
-    <p:sldId id="263" r:id="rId13"/>
-    <p:sldId id="266" r:id="rId14"/>
+    <p:sldId id="262" r:id="rId10"/>
+    <p:sldId id="263" r:id="rId11"/>
+    <p:sldId id="266" r:id="rId12"/>
+    <p:sldId id="267" r:id="rId13"/>
+    <p:sldId id="268" r:id="rId14"/>
   </p:sldIdLst>
   <p:sldSz cx="12192000" cy="6858000"/>
   <p:notesSz cx="6858000" cy="9144000"/>
@@ -279,7 +279,7 @@
       <p15:sldGuideLst xmlns:p15="http://schemas.microsoft.com/office/powerpoint/2012/main"/>
     </p:ext>
     <p:ext uri="http://customooxmlschemas.google.com/">
-      <go:slidesCustomData xmlns:go="http://customooxmlschemas.google.com/" xmlns:ahyp="http://schemas.microsoft.com/office/drawing/2018/hyperlinkcolor" xmlns:p15="http://schemas.microsoft.com/office/powerpoint/2012/main" xmlns:p14="http://schemas.microsoft.com/office/powerpoint/2010/main" xmlns:com="http://schemas.openxmlformats.org/drawingml/2006/compatibility" xmlns:pvml="urn:schemas-microsoft-com:office:powerpoint" xmlns:v="urn:schemas-microsoft-com:vml" xmlns:o="urn:schemas-microsoft-com:office:office" xmlns:dgm="http://schemas.openxmlformats.org/drawingml/2006/diagram" xmlns:c="http://schemas.openxmlformats.org/drawingml/2006/chart" xmlns:mv="urn:schemas-microsoft-com:mac:vml" xmlns:mc="http://schemas.openxmlformats.org/markup-compatibility/2006" xmlns="" r:id="rId26" roundtripDataSignature="AMtx7miNcQ5lzAKSsnVwuol7XV2aqqF7xw=="/>
+      <go:slidesCustomData xmlns="" xmlns:mc="http://schemas.openxmlformats.org/markup-compatibility/2006" xmlns:mv="urn:schemas-microsoft-com:mac:vml" xmlns:c="http://schemas.openxmlformats.org/drawingml/2006/chart" xmlns:dgm="http://schemas.openxmlformats.org/drawingml/2006/diagram" xmlns:o="urn:schemas-microsoft-com:office:office" xmlns:v="urn:schemas-microsoft-com:vml" xmlns:pvml="urn:schemas-microsoft-com:office:powerpoint" xmlns:com="http://schemas.openxmlformats.org/drawingml/2006/compatibility" xmlns:p14="http://schemas.microsoft.com/office/powerpoint/2010/main" xmlns:p15="http://schemas.microsoft.com/office/powerpoint/2012/main" xmlns:ahyp="http://schemas.microsoft.com/office/drawing/2018/hyperlinkcolor" xmlns:go="http://customooxmlschemas.google.com/" r:id="rId26" roundtripDataSignature="AMtx7miNcQ5lzAKSsnVwuol7XV2aqqF7xw=="/>
     </p:ext>
   </p:extLst>
 </p:presentation>
@@ -12035,879 +12035,6 @@
 <file path=ppt/slides/slide10.xml><?xml version="1.0" encoding="utf-8"?>
 <p:sld xmlns:a="http://schemas.openxmlformats.org/drawingml/2006/main" xmlns:r="http://schemas.openxmlformats.org/officeDocument/2006/relationships" xmlns:p="http://schemas.openxmlformats.org/presentationml/2006/main">
   <p:cSld>
-    <p:spTree>
-      <p:nvGrpSpPr>
-        <p:cNvPr id="1" name=""/>
-        <p:cNvGrpSpPr/>
-        <p:nvPr/>
-      </p:nvGrpSpPr>
-      <p:grpSpPr>
-        <a:xfrm>
-          <a:off x="0" y="0"/>
-          <a:ext cx="0" cy="0"/>
-          <a:chOff x="0" y="0"/>
-          <a:chExt cx="0" cy="0"/>
-        </a:xfrm>
-      </p:grpSpPr>
-      <p:sp>
-        <p:nvSpPr>
-          <p:cNvPr id="2" name="Title 1">
-            <a:extLst>
-              <a:ext uri="{FF2B5EF4-FFF2-40B4-BE49-F238E27FC236}">
-                <a16:creationId xmlns:a16="http://schemas.microsoft.com/office/drawing/2014/main" id="{DB2E300C-37FE-4904-BF59-7633ABC44B66}"/>
-              </a:ext>
-            </a:extLst>
-          </p:cNvPr>
-          <p:cNvSpPr>
-            <a:spLocks noGrp="1"/>
-          </p:cNvSpPr>
-          <p:nvPr>
-            <p:ph type="title"/>
-          </p:nvPr>
-        </p:nvSpPr>
-        <p:spPr/>
-        <p:txBody>
-          <a:bodyPr/>
-          <a:lstStyle/>
-          <a:p>
-            <a:r>
-              <a:rPr lang="en-US" dirty="0"/>
-              <a:t>p281</a:t>
-            </a:r>
-          </a:p>
-        </p:txBody>
-      </p:sp>
-      <p:sp>
-        <p:nvSpPr>
-          <p:cNvPr id="3" name="Text Placeholder 2">
-            <a:extLst>
-              <a:ext uri="{FF2B5EF4-FFF2-40B4-BE49-F238E27FC236}">
-                <a16:creationId xmlns:a16="http://schemas.microsoft.com/office/drawing/2014/main" id="{D7B45096-00AA-41C6-8A08-FD1E400B2AE0}"/>
-              </a:ext>
-            </a:extLst>
-          </p:cNvPr>
-          <p:cNvSpPr>
-            <a:spLocks noGrp="1"/>
-          </p:cNvSpPr>
-          <p:nvPr>
-            <p:ph type="body" idx="1"/>
-          </p:nvPr>
-        </p:nvSpPr>
-        <p:spPr/>
-        <p:txBody>
-          <a:bodyPr/>
-          <a:lstStyle/>
-          <a:p>
-            <a:r>
-              <a:rPr lang="en-US" dirty="0"/>
-              <a:t>‘Such cultural influence can be observed in "cultural lag." People do not readily take ad- vantage of new structural opportunities which would require them to abandon established ways of life. This is not because they cling to cultural values, but because they are reluctant to abandon familiar strategies of action for which they have the cultural equipment.’</a:t>
-            </a:r>
-          </a:p>
-        </p:txBody>
-      </p:sp>
-      <p:sp>
-        <p:nvSpPr>
-          <p:cNvPr id="4" name="Date Placeholder 3">
-            <a:extLst>
-              <a:ext uri="{FF2B5EF4-FFF2-40B4-BE49-F238E27FC236}">
-                <a16:creationId xmlns:a16="http://schemas.microsoft.com/office/drawing/2014/main" id="{6A8505A9-B9EB-4A48-9810-CA88284D62A9}"/>
-              </a:ext>
-            </a:extLst>
-          </p:cNvPr>
-          <p:cNvSpPr>
-            <a:spLocks noGrp="1"/>
-          </p:cNvSpPr>
-          <p:nvPr>
-            <p:ph type="dt" idx="10"/>
-          </p:nvPr>
-        </p:nvSpPr>
-        <p:spPr/>
-        <p:txBody>
-          <a:bodyPr/>
-          <a:lstStyle/>
-          <a:p>
-            <a:fld id="{5B328F08-64B6-4D47-B5C4-52F88B5EC870}" type="datetime1">
-              <a:rPr lang="en-US" smtClean="0"/>
-              <a:t>4/19/2022</a:t>
-            </a:fld>
-            <a:endParaRPr lang="en-US" dirty="0"/>
-          </a:p>
-        </p:txBody>
-      </p:sp>
-      <p:sp>
-        <p:nvSpPr>
-          <p:cNvPr id="5" name="Slide Number Placeholder 4">
-            <a:extLst>
-              <a:ext uri="{FF2B5EF4-FFF2-40B4-BE49-F238E27FC236}">
-                <a16:creationId xmlns:a16="http://schemas.microsoft.com/office/drawing/2014/main" id="{E9FE1E70-09B8-4E0D-93B0-8BBA8F328045}"/>
-              </a:ext>
-            </a:extLst>
-          </p:cNvPr>
-          <p:cNvSpPr>
-            <a:spLocks noGrp="1"/>
-          </p:cNvSpPr>
-          <p:nvPr>
-            <p:ph type="sldNum" idx="12"/>
-          </p:nvPr>
-        </p:nvSpPr>
-        <p:spPr/>
-        <p:txBody>
-          <a:bodyPr/>
-          <a:lstStyle/>
-          <a:p>
-            <a:fld id="{00000000-1234-1234-1234-123412341234}" type="slidenum">
-              <a:rPr lang="en-US" smtClean="0"/>
-              <a:pPr/>
-              <a:t>10</a:t>
-            </a:fld>
-            <a:endParaRPr lang="en-US" dirty="0"/>
-          </a:p>
-        </p:txBody>
-      </p:sp>
-    </p:spTree>
-    <p:extLst>
-      <p:ext uri="{BB962C8B-B14F-4D97-AF65-F5344CB8AC3E}">
-        <p14:creationId xmlns:p14="http://schemas.microsoft.com/office/powerpoint/2010/main" val="2835386734"/>
-      </p:ext>
-    </p:extLst>
-  </p:cSld>
-  <p:clrMapOvr>
-    <a:masterClrMapping/>
-  </p:clrMapOvr>
-</p:sld>
-</file>
-
-<file path=ppt/slides/slide11.xml><?xml version="1.0" encoding="utf-8"?>
-<p:sld xmlns:a="http://schemas.openxmlformats.org/drawingml/2006/main" xmlns:r="http://schemas.openxmlformats.org/officeDocument/2006/relationships" xmlns:p="http://schemas.openxmlformats.org/presentationml/2006/main">
-  <p:cSld>
-    <p:spTree>
-      <p:nvGrpSpPr>
-        <p:cNvPr id="1" name="Shape 119"/>
-        <p:cNvGrpSpPr/>
-        <p:nvPr/>
-      </p:nvGrpSpPr>
-      <p:grpSpPr>
-        <a:xfrm>
-          <a:off x="0" y="0"/>
-          <a:ext cx="0" cy="0"/>
-          <a:chOff x="0" y="0"/>
-          <a:chExt cx="0" cy="0"/>
-        </a:xfrm>
-      </p:grpSpPr>
-      <p:sp>
-        <p:nvSpPr>
-          <p:cNvPr id="120" name="Google Shape;120;p7"/>
-          <p:cNvSpPr txBox="1">
-            <a:spLocks noGrp="1"/>
-          </p:cNvSpPr>
-          <p:nvPr>
-            <p:ph type="title"/>
-          </p:nvPr>
-        </p:nvSpPr>
-        <p:spPr>
-          <a:xfrm>
-            <a:off x="5214579" y="629266"/>
-            <a:ext cx="6422849" cy="1676603"/>
-          </a:xfrm>
-          <a:prstGeom prst="rect">
-            <a:avLst/>
-          </a:prstGeom>
-          <a:noFill/>
-          <a:ln>
-            <a:noFill/>
-          </a:ln>
-        </p:spPr>
-        <p:txBody>
-          <a:bodyPr spcFirstLastPara="1" wrap="square" lIns="91425" tIns="45700" rIns="91425" bIns="45700" anchor="ctr" anchorCtr="0">
-            <a:normAutofit/>
-          </a:bodyPr>
-          <a:lstStyle/>
-          <a:p>
-            <a:pPr marL="0" lvl="0" indent="0" algn="l" rtl="0">
-              <a:lnSpc>
-                <a:spcPct val="90000"/>
-              </a:lnSpc>
-              <a:spcBef>
-                <a:spcPts val="0"/>
-              </a:spcBef>
-              <a:spcAft>
-                <a:spcPts val="0"/>
-              </a:spcAft>
-              <a:buClr>
-                <a:schemeClr val="dk1"/>
-              </a:buClr>
-              <a:buSzPts val="4400"/>
-              <a:buFont typeface="Calibri"/>
-              <a:buNone/>
-            </a:pPr>
-            <a:r>
-              <a:rPr lang="en-US" b="1" dirty="0"/>
-              <a:t>Cultural Capital and Pierre Bourdieu</a:t>
-            </a:r>
-            <a:endParaRPr b="1" dirty="0"/>
-          </a:p>
-        </p:txBody>
-      </p:sp>
-      <p:sp>
-        <p:nvSpPr>
-          <p:cNvPr id="121" name="Google Shape;121;p7"/>
-          <p:cNvSpPr/>
-          <p:nvPr/>
-        </p:nvSpPr>
-        <p:spPr>
-          <a:xfrm>
-            <a:off x="0" y="0"/>
-            <a:ext cx="4636008" cy="6858000"/>
-          </a:xfrm>
-          <a:prstGeom prst="rect">
-            <a:avLst/>
-          </a:prstGeom>
-          <a:solidFill>
-            <a:srgbClr val="877967"/>
-          </a:solidFill>
-          <a:ln>
-            <a:noFill/>
-          </a:ln>
-        </p:spPr>
-        <p:txBody>
-          <a:bodyPr spcFirstLastPara="1" wrap="square" lIns="91425" tIns="45700" rIns="91425" bIns="45700" anchor="ctr" anchorCtr="0">
-            <a:noAutofit/>
-          </a:bodyPr>
-          <a:lstStyle/>
-          <a:p>
-            <a:pPr marL="0" marR="0" lvl="0" indent="0" algn="ctr" rtl="0">
-              <a:lnSpc>
-                <a:spcPct val="100000"/>
-              </a:lnSpc>
-              <a:spcBef>
-                <a:spcPts val="0"/>
-              </a:spcBef>
-              <a:spcAft>
-                <a:spcPts val="0"/>
-              </a:spcAft>
-              <a:buClr>
-                <a:schemeClr val="lt1"/>
-              </a:buClr>
-              <a:buSzPts val="1800"/>
-              <a:buFont typeface="Calibri"/>
-              <a:buNone/>
-            </a:pPr>
-            <a:endParaRPr sz="1800" b="0" i="0" u="none" strike="noStrike" cap="none" dirty="0">
-              <a:solidFill>
-                <a:srgbClr val="FFFFFF"/>
-              </a:solidFill>
-              <a:latin typeface="Bahnschrift" panose="020B0502040204020203" pitchFamily="34" charset="0"/>
-              <a:ea typeface="Calibri"/>
-              <a:cs typeface="Calibri"/>
-              <a:sym typeface="Calibri"/>
-            </a:endParaRPr>
-          </a:p>
-        </p:txBody>
-      </p:sp>
-      <p:sp>
-        <p:nvSpPr>
-          <p:cNvPr id="122" name="Google Shape;122;p7"/>
-          <p:cNvSpPr/>
-          <p:nvPr/>
-        </p:nvSpPr>
-        <p:spPr>
-          <a:xfrm>
-            <a:off x="484631" y="505245"/>
-            <a:ext cx="3666744" cy="5739187"/>
-          </a:xfrm>
-          <a:prstGeom prst="roundRect">
-            <a:avLst>
-              <a:gd name="adj" fmla="val 0"/>
-            </a:avLst>
-          </a:prstGeom>
-          <a:solidFill>
-            <a:srgbClr val="FFFFFF"/>
-          </a:solidFill>
-          <a:ln w="9525" cap="flat" cmpd="sng">
-            <a:solidFill>
-              <a:srgbClr val="C8CACA"/>
-            </a:solidFill>
-            <a:prstDash val="solid"/>
-            <a:miter lim="800000"/>
-            <a:headEnd type="none" w="sm" len="sm"/>
-            <a:tailEnd type="none" w="sm" len="sm"/>
-          </a:ln>
-          <a:effectLst>
-            <a:outerShdw blurRad="57150" dist="19050" dir="5400000" algn="t" rotWithShape="0">
-              <a:srgbClr val="000000">
-                <a:alpha val="62745"/>
-              </a:srgbClr>
-            </a:outerShdw>
-          </a:effectLst>
-        </p:spPr>
-        <p:txBody>
-          <a:bodyPr spcFirstLastPara="1" wrap="square" lIns="91425" tIns="45700" rIns="91425" bIns="45700" anchor="ctr" anchorCtr="0">
-            <a:noAutofit/>
-          </a:bodyPr>
-          <a:lstStyle/>
-          <a:p>
-            <a:pPr marL="0" marR="0" lvl="0" indent="0" algn="ctr" rtl="0">
-              <a:lnSpc>
-                <a:spcPct val="100000"/>
-              </a:lnSpc>
-              <a:spcBef>
-                <a:spcPts val="0"/>
-              </a:spcBef>
-              <a:spcAft>
-                <a:spcPts val="0"/>
-              </a:spcAft>
-              <a:buClr>
-                <a:schemeClr val="lt1"/>
-              </a:buClr>
-              <a:buSzPts val="1800"/>
-              <a:buFont typeface="Calibri"/>
-              <a:buNone/>
-            </a:pPr>
-            <a:endParaRPr sz="1800" b="0" i="0" u="none" strike="noStrike" cap="none" dirty="0">
-              <a:solidFill>
-                <a:srgbClr val="FFFFFF"/>
-              </a:solidFill>
-              <a:latin typeface="Bahnschrift" panose="020B0502040204020203" pitchFamily="34" charset="0"/>
-              <a:ea typeface="Calibri"/>
-              <a:cs typeface="Calibri"/>
-              <a:sym typeface="Calibri"/>
-            </a:endParaRPr>
-          </a:p>
-        </p:txBody>
-      </p:sp>
-      <p:sp>
-        <p:nvSpPr>
-          <p:cNvPr id="124" name="Google Shape;124;p7"/>
-          <p:cNvSpPr txBox="1">
-            <a:spLocks noGrp="1"/>
-          </p:cNvSpPr>
-          <p:nvPr>
-            <p:ph type="body" idx="1"/>
-          </p:nvPr>
-        </p:nvSpPr>
-        <p:spPr>
-          <a:xfrm>
-            <a:off x="5214581" y="2438400"/>
-            <a:ext cx="6422848" cy="3785419"/>
-          </a:xfrm>
-          <a:prstGeom prst="rect">
-            <a:avLst/>
-          </a:prstGeom>
-          <a:noFill/>
-          <a:ln>
-            <a:noFill/>
-          </a:ln>
-        </p:spPr>
-        <p:txBody>
-          <a:bodyPr spcFirstLastPara="1" wrap="square" lIns="91425" tIns="45700" rIns="91425" bIns="45700" anchor="t" anchorCtr="0">
-            <a:normAutofit fontScale="92500"/>
-          </a:bodyPr>
-          <a:lstStyle/>
-          <a:p>
-            <a:pPr marL="228600" indent="-228600">
-              <a:buSzPts val="2000"/>
-            </a:pPr>
-            <a:r>
-              <a:rPr lang="en-US" sz="2400" dirty="0"/>
-              <a:t>Bourdieu, Pierre and Jean-Claude </a:t>
-            </a:r>
-            <a:r>
-              <a:rPr lang="en-US" sz="2400" dirty="0" err="1"/>
-              <a:t>Passeron</a:t>
-            </a:r>
-            <a:r>
-              <a:rPr lang="en-US" sz="2400" dirty="0"/>
-              <a:t>. 1977[1970]. </a:t>
-            </a:r>
-            <a:r>
-              <a:rPr lang="en-US" sz="2400" i="1" dirty="0"/>
-              <a:t>Reproduction in Education, Society and Culture</a:t>
-            </a:r>
-            <a:r>
-              <a:rPr lang="en-US" sz="2400" dirty="0"/>
-              <a:t>. Beverly Hills, CA: Sage. </a:t>
-            </a:r>
-          </a:p>
-          <a:p>
-            <a:pPr marL="685800" lvl="1" indent="-228600">
-              <a:buSzPts val="2000"/>
-            </a:pPr>
-            <a:r>
-              <a:rPr lang="en-US" sz="2000" dirty="0">
-                <a:latin typeface="Bahnschrift" panose="020B0502040204020203" pitchFamily="34" charset="0"/>
-              </a:rPr>
-              <a:t>Reproduction of educational attainment by family background (dominant vs subordinate class)</a:t>
-            </a:r>
-          </a:p>
-          <a:p>
-            <a:pPr marL="685800" lvl="1" indent="-228600">
-              <a:buSzPts val="2000"/>
-            </a:pPr>
-            <a:r>
-              <a:rPr lang="en-US" sz="2000" dirty="0">
-                <a:latin typeface="Bahnschrift" panose="020B0502040204020203" pitchFamily="34" charset="0"/>
-              </a:rPr>
-              <a:t>Legitimation</a:t>
-            </a:r>
-          </a:p>
-          <a:p>
-            <a:pPr marL="228600" indent="-228600">
-              <a:spcBef>
-                <a:spcPts val="500"/>
-              </a:spcBef>
-              <a:buSzPts val="2000"/>
-            </a:pPr>
-            <a:r>
-              <a:rPr lang="en-US" sz="2400" dirty="0"/>
-              <a:t>Lamont and Lareau (1988): institutionalized, i.e., widely shared, high status cultural signals (attitudes, preferences, formal knowledge, behaviors, goods and credentials) used for social and cultural exclusion</a:t>
-            </a:r>
-          </a:p>
-          <a:p>
-            <a:pPr marL="685800" lvl="1" indent="-228600" algn="l" rtl="0">
-              <a:lnSpc>
-                <a:spcPct val="90000"/>
-              </a:lnSpc>
-              <a:spcBef>
-                <a:spcPts val="500"/>
-              </a:spcBef>
-              <a:spcAft>
-                <a:spcPts val="0"/>
-              </a:spcAft>
-              <a:buClr>
-                <a:schemeClr val="dk1"/>
-              </a:buClr>
-              <a:buSzPts val="2000"/>
-              <a:buChar char="•"/>
-            </a:pPr>
-            <a:endParaRPr lang="en-US" dirty="0">
-              <a:latin typeface="Bahnschrift" panose="020B0502040204020203" pitchFamily="34" charset="0"/>
-            </a:endParaRPr>
-          </a:p>
-        </p:txBody>
-      </p:sp>
-      <p:pic>
-        <p:nvPicPr>
-          <p:cNvPr id="1026" name="Picture 2" descr="Pierre Bourdieu - Wikipedia">
-            <a:extLst>
-              <a:ext uri="{FF2B5EF4-FFF2-40B4-BE49-F238E27FC236}">
-                <a16:creationId xmlns:a16="http://schemas.microsoft.com/office/drawing/2014/main" id="{79DE28AC-4008-4E14-AC72-4594D3541A2C}"/>
-              </a:ext>
-            </a:extLst>
-          </p:cNvPr>
-          <p:cNvPicPr>
-            <a:picLocks noChangeAspect="1" noChangeArrowheads="1"/>
-          </p:cNvPicPr>
-          <p:nvPr/>
-        </p:nvPicPr>
-        <p:blipFill>
-          <a:blip r:embed="rId3">
-            <a:extLst>
-              <a:ext uri="{28A0092B-C50C-407E-A947-70E740481C1C}">
-                <a14:useLocalDpi xmlns:a14="http://schemas.microsoft.com/office/drawing/2010/main" val="0"/>
-              </a:ext>
-            </a:extLst>
-          </a:blip>
-          <a:srcRect/>
-          <a:stretch>
-            <a:fillRect/>
-          </a:stretch>
-        </p:blipFill>
-        <p:spPr bwMode="auto">
-          <a:xfrm>
-            <a:off x="823576" y="1011218"/>
-            <a:ext cx="2988855" cy="4314017"/>
-          </a:xfrm>
-          <a:prstGeom prst="rect">
-            <a:avLst/>
-          </a:prstGeom>
-          <a:noFill/>
-          <a:extLst>
-            <a:ext uri="{909E8E84-426E-40DD-AFC4-6F175D3DCCD1}">
-              <a14:hiddenFill xmlns:a14="http://schemas.microsoft.com/office/drawing/2010/main">
-                <a:solidFill>
-                  <a:srgbClr val="FFFFFF"/>
-                </a:solidFill>
-              </a14:hiddenFill>
-            </a:ext>
-          </a:extLst>
-        </p:spPr>
-      </p:pic>
-      <p:sp>
-        <p:nvSpPr>
-          <p:cNvPr id="3" name="Rectangle 4">
-            <a:extLst>
-              <a:ext uri="{FF2B5EF4-FFF2-40B4-BE49-F238E27FC236}">
-                <a16:creationId xmlns:a16="http://schemas.microsoft.com/office/drawing/2014/main" id="{70A8D775-875C-4F0A-960E-2B0FBA876B73}"/>
-              </a:ext>
-            </a:extLst>
-          </p:cNvPr>
-          <p:cNvSpPr>
-            <a:spLocks noChangeArrowheads="1"/>
-          </p:cNvSpPr>
-          <p:nvPr/>
-        </p:nvSpPr>
-        <p:spPr bwMode="auto">
-          <a:xfrm>
-            <a:off x="171852" y="5413850"/>
-            <a:ext cx="4372716" cy="584775"/>
-          </a:xfrm>
-          <a:prstGeom prst="rect">
-            <a:avLst/>
-          </a:prstGeom>
-          <a:solidFill>
-            <a:srgbClr val="FFFFFF"/>
-          </a:solidFill>
-          <a:ln>
-            <a:noFill/>
-          </a:ln>
-          <a:effectLst/>
-          <a:extLst>
-            <a:ext uri="{91240B29-F687-4F45-9708-019B960494DF}">
-              <a14:hiddenLine xmlns:a14="http://schemas.microsoft.com/office/drawing/2010/main" w="9525">
-                <a:solidFill>
-                  <a:schemeClr val="tx1"/>
-                </a:solidFill>
-                <a:miter lim="800000"/>
-                <a:headEnd/>
-                <a:tailEnd/>
-              </a14:hiddenLine>
-            </a:ext>
-            <a:ext uri="{AF507438-7753-43E0-B8FC-AC1667EBCBE1}">
-              <a14:hiddenEffects xmlns:a14="http://schemas.microsoft.com/office/drawing/2010/main">
-                <a:effectLst>
-                  <a:outerShdw dist="35921" dir="2700000" algn="ctr" rotWithShape="0">
-                    <a:schemeClr val="bg2"/>
-                  </a:outerShdw>
-                </a:effectLst>
-              </a14:hiddenEffects>
-            </a:ext>
-          </a:extLst>
-        </p:spPr>
-        <p:txBody>
-          <a:bodyPr vert="horz" wrap="square" lIns="91440" tIns="45720" rIns="91440" bIns="45720" numCol="1" anchor="ctr" anchorCtr="0" compatLnSpc="1">
-            <a:prstTxWarp prst="textNoShape">
-              <a:avLst/>
-            </a:prstTxWarp>
-            <a:spAutoFit/>
-          </a:bodyPr>
-          <a:lstStyle>
-            <a:lvl1pPr eaLnBrk="0" fontAlgn="base" hangingPunct="0">
-              <a:spcBef>
-                <a:spcPct val="0"/>
-              </a:spcBef>
-              <a:spcAft>
-                <a:spcPct val="0"/>
-              </a:spcAft>
-              <a:defRPr>
-                <a:solidFill>
-                  <a:schemeClr val="tx1"/>
-                </a:solidFill>
-                <a:latin typeface="Arial" panose="020B0604020202020204" pitchFamily="34" charset="0"/>
-              </a:defRPr>
-            </a:lvl1pPr>
-            <a:lvl2pPr marL="457200" eaLnBrk="0" fontAlgn="base" hangingPunct="0">
-              <a:spcBef>
-                <a:spcPct val="0"/>
-              </a:spcBef>
-              <a:spcAft>
-                <a:spcPct val="0"/>
-              </a:spcAft>
-              <a:defRPr>
-                <a:solidFill>
-                  <a:schemeClr val="tx1"/>
-                </a:solidFill>
-                <a:latin typeface="Arial" panose="020B0604020202020204" pitchFamily="34" charset="0"/>
-              </a:defRPr>
-            </a:lvl2pPr>
-            <a:lvl3pPr marL="914400" eaLnBrk="0" fontAlgn="base" hangingPunct="0">
-              <a:spcBef>
-                <a:spcPct val="0"/>
-              </a:spcBef>
-              <a:spcAft>
-                <a:spcPct val="0"/>
-              </a:spcAft>
-              <a:defRPr>
-                <a:solidFill>
-                  <a:schemeClr val="tx1"/>
-                </a:solidFill>
-                <a:latin typeface="Arial" panose="020B0604020202020204" pitchFamily="34" charset="0"/>
-              </a:defRPr>
-            </a:lvl3pPr>
-            <a:lvl4pPr marL="1371600" eaLnBrk="0" fontAlgn="base" hangingPunct="0">
-              <a:spcBef>
-                <a:spcPct val="0"/>
-              </a:spcBef>
-              <a:spcAft>
-                <a:spcPct val="0"/>
-              </a:spcAft>
-              <a:defRPr>
-                <a:solidFill>
-                  <a:schemeClr val="tx1"/>
-                </a:solidFill>
-                <a:latin typeface="Arial" panose="020B0604020202020204" pitchFamily="34" charset="0"/>
-              </a:defRPr>
-            </a:lvl4pPr>
-            <a:lvl5pPr marL="1828800" eaLnBrk="0" fontAlgn="base" hangingPunct="0">
-              <a:spcBef>
-                <a:spcPct val="0"/>
-              </a:spcBef>
-              <a:spcAft>
-                <a:spcPct val="0"/>
-              </a:spcAft>
-              <a:defRPr>
-                <a:solidFill>
-                  <a:schemeClr val="tx1"/>
-                </a:solidFill>
-                <a:latin typeface="Arial" panose="020B0604020202020204" pitchFamily="34" charset="0"/>
-              </a:defRPr>
-            </a:lvl5pPr>
-            <a:lvl6pPr marL="2286000" eaLnBrk="0" fontAlgn="base" hangingPunct="0">
-              <a:spcBef>
-                <a:spcPct val="0"/>
-              </a:spcBef>
-              <a:spcAft>
-                <a:spcPct val="0"/>
-              </a:spcAft>
-              <a:defRPr>
-                <a:solidFill>
-                  <a:schemeClr val="tx1"/>
-                </a:solidFill>
-                <a:latin typeface="Arial" panose="020B0604020202020204" pitchFamily="34" charset="0"/>
-              </a:defRPr>
-            </a:lvl6pPr>
-            <a:lvl7pPr marL="2743200" eaLnBrk="0" fontAlgn="base" hangingPunct="0">
-              <a:spcBef>
-                <a:spcPct val="0"/>
-              </a:spcBef>
-              <a:spcAft>
-                <a:spcPct val="0"/>
-              </a:spcAft>
-              <a:defRPr>
-                <a:solidFill>
-                  <a:schemeClr val="tx1"/>
-                </a:solidFill>
-                <a:latin typeface="Arial" panose="020B0604020202020204" pitchFamily="34" charset="0"/>
-              </a:defRPr>
-            </a:lvl7pPr>
-            <a:lvl8pPr marL="3200400" eaLnBrk="0" fontAlgn="base" hangingPunct="0">
-              <a:spcBef>
-                <a:spcPct val="0"/>
-              </a:spcBef>
-              <a:spcAft>
-                <a:spcPct val="0"/>
-              </a:spcAft>
-              <a:defRPr>
-                <a:solidFill>
-                  <a:schemeClr val="tx1"/>
-                </a:solidFill>
-                <a:latin typeface="Arial" panose="020B0604020202020204" pitchFamily="34" charset="0"/>
-              </a:defRPr>
-            </a:lvl8pPr>
-            <a:lvl9pPr marL="3657600" eaLnBrk="0" fontAlgn="base" hangingPunct="0">
-              <a:spcBef>
-                <a:spcPct val="0"/>
-              </a:spcBef>
-              <a:spcAft>
-                <a:spcPct val="0"/>
-              </a:spcAft>
-              <a:defRPr>
-                <a:solidFill>
-                  <a:schemeClr val="tx1"/>
-                </a:solidFill>
-                <a:latin typeface="Arial" panose="020B0604020202020204" pitchFamily="34" charset="0"/>
-              </a:defRPr>
-            </a:lvl9pPr>
-          </a:lstStyle>
-          <a:p>
-            <a:pPr marL="0" marR="0" lvl="0" indent="0" algn="l" defTabSz="914400" rtl="0" eaLnBrk="0" fontAlgn="base" latinLnBrk="0" hangingPunct="0">
-              <a:lnSpc>
-                <a:spcPct val="100000"/>
-              </a:lnSpc>
-              <a:spcBef>
-                <a:spcPct val="0"/>
-              </a:spcBef>
-              <a:spcAft>
-                <a:spcPct val="0"/>
-              </a:spcAft>
-              <a:buClrTx/>
-              <a:buSzTx/>
-              <a:buFontTx/>
-              <a:buNone/>
-              <a:tabLst/>
-            </a:pPr>
-            <a:r>
-              <a:rPr kumimoji="0" lang="en-US" altLang="en-US" sz="1600" b="1" i="0" u="none" strike="noStrike" cap="none" normalizeH="0" baseline="0" dirty="0">
-                <a:ln>
-                  <a:noFill/>
-                </a:ln>
-                <a:solidFill>
-                  <a:srgbClr val="202122"/>
-                </a:solidFill>
-                <a:effectLst/>
-                <a:latin typeface="Bahnschrift" panose="020B0502040204020203" pitchFamily="34" charset="0"/>
-                <a:cs typeface="Arial" panose="020B0604020202020204" pitchFamily="34" charset="0"/>
-              </a:rPr>
-              <a:t>Pierre Bourdieu</a:t>
-            </a:r>
-            <a:r>
-              <a:rPr kumimoji="0" lang="en-US" altLang="en-US" sz="1600" b="0" i="0" u="none" strike="noStrike" cap="none" normalizeH="0" baseline="0" dirty="0">
-                <a:ln>
-                  <a:noFill/>
-                </a:ln>
-                <a:solidFill>
-                  <a:srgbClr val="202122"/>
-                </a:solidFill>
-                <a:effectLst/>
-                <a:latin typeface="Bahnschrift" panose="020B0502040204020203" pitchFamily="34" charset="0"/>
-                <a:cs typeface="Arial" panose="020B0604020202020204" pitchFamily="34" charset="0"/>
-              </a:rPr>
-              <a:t> (French: </a:t>
-            </a:r>
-            <a:r>
-              <a:rPr kumimoji="0" lang="en-US" altLang="en-US" sz="1600" b="0" i="0" u="none" strike="noStrike" cap="none" normalizeH="0" baseline="0" dirty="0">
-                <a:ln>
-                  <a:noFill/>
-                </a:ln>
-                <a:solidFill>
-                  <a:srgbClr val="0645AD"/>
-                </a:solidFill>
-                <a:effectLst/>
-                <a:latin typeface="Bahnschrift" panose="020B0502040204020203" pitchFamily="34" charset="0"/>
-                <a:cs typeface="Arial" panose="020B0604020202020204" pitchFamily="34" charset="0"/>
-                <a:hlinkClick r:id="rId4" tooltip="Help:IPA/French"/>
-              </a:rPr>
-              <a:t>[</a:t>
-            </a:r>
-            <a:r>
-              <a:rPr kumimoji="0" lang="en-US" altLang="en-US" sz="1600" b="0" i="0" u="none" strike="noStrike" cap="none" normalizeH="0" baseline="0" dirty="0" err="1">
-                <a:ln>
-                  <a:noFill/>
-                </a:ln>
-                <a:solidFill>
-                  <a:srgbClr val="0645AD"/>
-                </a:solidFill>
-                <a:effectLst/>
-                <a:latin typeface="Bahnschrift" panose="020B0502040204020203" pitchFamily="34" charset="0"/>
-                <a:cs typeface="Arial" panose="020B0604020202020204" pitchFamily="34" charset="0"/>
-                <a:hlinkClick r:id="rId4" tooltip="Help:IPA/French"/>
-              </a:rPr>
-              <a:t>buʁdjø</a:t>
-            </a:r>
-            <a:r>
-              <a:rPr kumimoji="0" lang="en-US" altLang="en-US" sz="1600" b="0" i="0" u="none" strike="noStrike" cap="none" normalizeH="0" baseline="0" dirty="0">
-                <a:ln>
-                  <a:noFill/>
-                </a:ln>
-                <a:solidFill>
-                  <a:srgbClr val="0645AD"/>
-                </a:solidFill>
-                <a:effectLst/>
-                <a:latin typeface="Bahnschrift" panose="020B0502040204020203" pitchFamily="34" charset="0"/>
-                <a:cs typeface="Arial" panose="020B0604020202020204" pitchFamily="34" charset="0"/>
-                <a:hlinkClick r:id="rId4" tooltip="Help:IPA/French"/>
-              </a:rPr>
-              <a:t>]</a:t>
-            </a:r>
-            <a:r>
-              <a:rPr kumimoji="0" lang="en-US" altLang="en-US" sz="1600" b="0" i="0" u="none" strike="noStrike" cap="none" normalizeH="0" baseline="0" dirty="0">
-                <a:ln>
-                  <a:noFill/>
-                </a:ln>
-                <a:solidFill>
-                  <a:srgbClr val="202122"/>
-                </a:solidFill>
-                <a:effectLst/>
-                <a:latin typeface="Bahnschrift" panose="020B0502040204020203" pitchFamily="34" charset="0"/>
-                <a:cs typeface="Arial" panose="020B0604020202020204" pitchFamily="34" charset="0"/>
-              </a:rPr>
-              <a:t>; 1 August 1930 – 23 January 2002) </a:t>
-            </a:r>
-            <a:r>
-              <a:rPr kumimoji="0" lang="en-US" altLang="en-US" sz="1600" b="0" i="0" u="none" strike="noStrike" cap="none" normalizeH="0" baseline="0" dirty="0">
-                <a:ln>
-                  <a:noFill/>
-                </a:ln>
-                <a:solidFill>
-                  <a:schemeClr val="tx1"/>
-                </a:solidFill>
-                <a:effectLst/>
-                <a:latin typeface="Bahnschrift" panose="020B0502040204020203" pitchFamily="34" charset="0"/>
-              </a:rPr>
-              <a:t> </a:t>
-            </a:r>
-          </a:p>
-        </p:txBody>
-      </p:sp>
-      <p:sp>
-        <p:nvSpPr>
-          <p:cNvPr id="2" name="Date Placeholder 1">
-            <a:extLst>
-              <a:ext uri="{FF2B5EF4-FFF2-40B4-BE49-F238E27FC236}">
-                <a16:creationId xmlns:a16="http://schemas.microsoft.com/office/drawing/2014/main" id="{E9A5A4CD-C9EA-4FED-BEA5-823DC30C11CB}"/>
-              </a:ext>
-            </a:extLst>
-          </p:cNvPr>
-          <p:cNvSpPr>
-            <a:spLocks noGrp="1"/>
-          </p:cNvSpPr>
-          <p:nvPr>
-            <p:ph type="dt" idx="10"/>
-          </p:nvPr>
-        </p:nvSpPr>
-        <p:spPr/>
-        <p:txBody>
-          <a:bodyPr/>
-          <a:lstStyle/>
-          <a:p>
-            <a:fld id="{7EAFE89E-45F9-45B6-AA40-7D71D2110CD8}" type="datetime1">
-              <a:rPr lang="en-US" smtClean="0"/>
-              <a:t>4/19/2022</a:t>
-            </a:fld>
-            <a:endParaRPr lang="en-US" dirty="0"/>
-          </a:p>
-        </p:txBody>
-      </p:sp>
-      <p:sp>
-        <p:nvSpPr>
-          <p:cNvPr id="4" name="Slide Number Placeholder 3">
-            <a:extLst>
-              <a:ext uri="{FF2B5EF4-FFF2-40B4-BE49-F238E27FC236}">
-                <a16:creationId xmlns:a16="http://schemas.microsoft.com/office/drawing/2014/main" id="{EDD580D4-2444-45A7-99AB-280CF624C823}"/>
-              </a:ext>
-            </a:extLst>
-          </p:cNvPr>
-          <p:cNvSpPr>
-            <a:spLocks noGrp="1"/>
-          </p:cNvSpPr>
-          <p:nvPr>
-            <p:ph type="sldNum" idx="12"/>
-          </p:nvPr>
-        </p:nvSpPr>
-        <p:spPr/>
-        <p:txBody>
-          <a:bodyPr/>
-          <a:lstStyle/>
-          <a:p>
-            <a:fld id="{00000000-1234-1234-1234-123412341234}" type="slidenum">
-              <a:rPr lang="en-US" smtClean="0"/>
-              <a:pPr/>
-              <a:t>11</a:t>
-            </a:fld>
-            <a:endParaRPr lang="en-US" dirty="0"/>
-          </a:p>
-        </p:txBody>
-      </p:sp>
-    </p:spTree>
-  </p:cSld>
-  <p:clrMapOvr>
-    <a:masterClrMapping/>
-  </p:clrMapOvr>
-</p:sld>
-</file>
-
-<file path=ppt/slides/slide12.xml><?xml version="1.0" encoding="utf-8"?>
-<p:sld xmlns:a="http://schemas.openxmlformats.org/drawingml/2006/main" xmlns:r="http://schemas.openxmlformats.org/officeDocument/2006/relationships" xmlns:p="http://schemas.openxmlformats.org/presentationml/2006/main">
-  <p:cSld>
     <p:bg>
       <p:bgPr>
         <a:solidFill>
@@ -13663,7 +12790,7 @@
 </p:sld>
 </file>
 
-<file path=ppt/slides/slide13.xml><?xml version="1.0" encoding="utf-8"?>
+<file path=ppt/slides/slide11.xml><?xml version="1.0" encoding="utf-8"?>
 <p:sld xmlns:a="http://schemas.openxmlformats.org/drawingml/2006/main" xmlns:r="http://schemas.openxmlformats.org/officeDocument/2006/relationships" xmlns:p="http://schemas.openxmlformats.org/presentationml/2006/main">
   <p:cSld>
     <p:spTree>
@@ -13869,7 +12996,7 @@
           <a:p>
             <a:fld id="{38630631-69E6-49C8-AEE6-87573947CFFF}" type="datetime1">
               <a:rPr lang="en-US" smtClean="0"/>
-              <a:t>4/19/2022</a:t>
+              <a:t>4/21/2022</a:t>
             </a:fld>
             <a:endParaRPr lang="en-US" dirty="0"/>
           </a:p>
@@ -13899,7 +13026,7 @@
             <a:fld id="{00000000-1234-1234-1234-123412341234}" type="slidenum">
               <a:rPr lang="en-US" smtClean="0"/>
               <a:pPr/>
-              <a:t>13</a:t>
+              <a:t>11</a:t>
             </a:fld>
             <a:endParaRPr lang="en-US" dirty="0"/>
           </a:p>
@@ -13956,6 +13083,366 @@
     <p:extLst>
       <p:ext uri="{BB962C8B-B14F-4D97-AF65-F5344CB8AC3E}">
         <p14:creationId xmlns:p14="http://schemas.microsoft.com/office/powerpoint/2010/main" val="3391096255"/>
+      </p:ext>
+    </p:extLst>
+  </p:cSld>
+  <p:clrMapOvr>
+    <a:masterClrMapping/>
+  </p:clrMapOvr>
+</p:sld>
+</file>
+
+<file path=ppt/slides/slide12.xml><?xml version="1.0" encoding="utf-8"?>
+<p:sld xmlns:a="http://schemas.openxmlformats.org/drawingml/2006/main" xmlns:r="http://schemas.openxmlformats.org/officeDocument/2006/relationships" xmlns:p="http://schemas.openxmlformats.org/presentationml/2006/main">
+  <p:cSld>
+    <p:spTree>
+      <p:nvGrpSpPr>
+        <p:cNvPr id="1" name=""/>
+        <p:cNvGrpSpPr/>
+        <p:nvPr/>
+      </p:nvGrpSpPr>
+      <p:grpSpPr>
+        <a:xfrm>
+          <a:off x="0" y="0"/>
+          <a:ext cx="0" cy="0"/>
+          <a:chOff x="0" y="0"/>
+          <a:chExt cx="0" cy="0"/>
+        </a:xfrm>
+      </p:grpSpPr>
+      <p:sp>
+        <p:nvSpPr>
+          <p:cNvPr id="2" name="Title 1">
+            <a:extLst>
+              <a:ext uri="{FF2B5EF4-FFF2-40B4-BE49-F238E27FC236}">
+                <a16:creationId xmlns:a16="http://schemas.microsoft.com/office/drawing/2014/main" id="{F0897996-18BA-494F-9834-BDA495D4F1A0}"/>
+              </a:ext>
+            </a:extLst>
+          </p:cNvPr>
+          <p:cNvSpPr>
+            <a:spLocks noGrp="1"/>
+          </p:cNvSpPr>
+          <p:nvPr>
+            <p:ph type="title"/>
+          </p:nvPr>
+        </p:nvSpPr>
+        <p:spPr/>
+        <p:txBody>
+          <a:bodyPr/>
+          <a:lstStyle/>
+          <a:p>
+            <a:r>
+              <a:rPr lang="en-US" dirty="0"/>
+              <a:t>Ann Swidler, Culture in Action (1987)</a:t>
+            </a:r>
+          </a:p>
+        </p:txBody>
+      </p:sp>
+      <p:sp>
+        <p:nvSpPr>
+          <p:cNvPr id="3" name="Text Placeholder 2">
+            <a:extLst>
+              <a:ext uri="{FF2B5EF4-FFF2-40B4-BE49-F238E27FC236}">
+                <a16:creationId xmlns:a16="http://schemas.microsoft.com/office/drawing/2014/main" id="{D4E47673-A3D8-456B-B7AC-5587F05B913F}"/>
+              </a:ext>
+            </a:extLst>
+          </p:cNvPr>
+          <p:cNvSpPr>
+            <a:spLocks noGrp="1"/>
+          </p:cNvSpPr>
+          <p:nvPr>
+            <p:ph type="body" idx="1"/>
+          </p:nvPr>
+        </p:nvSpPr>
+        <p:spPr>
+          <a:xfrm>
+            <a:off x="838200" y="1719570"/>
+            <a:ext cx="10515600" cy="4351338"/>
+          </a:xfrm>
+        </p:spPr>
+        <p:txBody>
+          <a:bodyPr/>
+          <a:lstStyle/>
+          <a:p>
+            <a:r>
+              <a:rPr lang="en-US" dirty="0"/>
+              <a:t>Most highly cited paper in cultural sociology (12121 times by today) </a:t>
+            </a:r>
+          </a:p>
+          <a:p>
+            <a:r>
+              <a:rPr lang="en-US" dirty="0"/>
+              <a:t>Key question: Does culture “matter”—i.e., causally impact social action? </a:t>
+            </a:r>
+          </a:p>
+          <a:p>
+            <a:r>
+              <a:rPr lang="en-US" dirty="0"/>
+              <a:t>Critique: Culture as values that define the ends and goals of actions; Culture of poverty</a:t>
+            </a:r>
+          </a:p>
+          <a:p>
+            <a:r>
+              <a:rPr lang="en-US" dirty="0"/>
+              <a:t>Establish: Culture = tool kit for constructing strategies of action</a:t>
+            </a:r>
+          </a:p>
+        </p:txBody>
+      </p:sp>
+      <p:sp>
+        <p:nvSpPr>
+          <p:cNvPr id="4" name="Date Placeholder 3">
+            <a:extLst>
+              <a:ext uri="{FF2B5EF4-FFF2-40B4-BE49-F238E27FC236}">
+                <a16:creationId xmlns:a16="http://schemas.microsoft.com/office/drawing/2014/main" id="{543FB6EE-A3BE-4345-A075-66D803C577F7}"/>
+              </a:ext>
+            </a:extLst>
+          </p:cNvPr>
+          <p:cNvSpPr>
+            <a:spLocks noGrp="1"/>
+          </p:cNvSpPr>
+          <p:nvPr>
+            <p:ph type="dt" idx="10"/>
+          </p:nvPr>
+        </p:nvSpPr>
+        <p:spPr/>
+        <p:txBody>
+          <a:bodyPr/>
+          <a:lstStyle/>
+          <a:p>
+            <a:fld id="{5FA1E280-1192-4CAD-A78E-640803E4A4D4}" type="datetime1">
+              <a:rPr lang="en-US" smtClean="0"/>
+              <a:t>4/21/2022</a:t>
+            </a:fld>
+            <a:endParaRPr lang="en-US" dirty="0"/>
+          </a:p>
+        </p:txBody>
+      </p:sp>
+      <p:sp>
+        <p:nvSpPr>
+          <p:cNvPr id="5" name="Slide Number Placeholder 4">
+            <a:extLst>
+              <a:ext uri="{FF2B5EF4-FFF2-40B4-BE49-F238E27FC236}">
+                <a16:creationId xmlns:a16="http://schemas.microsoft.com/office/drawing/2014/main" id="{54D7384E-8841-4F32-B67A-67D451F4EAEC}"/>
+              </a:ext>
+            </a:extLst>
+          </p:cNvPr>
+          <p:cNvSpPr>
+            <a:spLocks noGrp="1"/>
+          </p:cNvSpPr>
+          <p:nvPr>
+            <p:ph type="sldNum" idx="12"/>
+          </p:nvPr>
+        </p:nvSpPr>
+        <p:spPr/>
+        <p:txBody>
+          <a:bodyPr/>
+          <a:lstStyle/>
+          <a:p>
+            <a:fld id="{00000000-1234-1234-1234-123412341234}" type="slidenum">
+              <a:rPr lang="en-US" smtClean="0"/>
+              <a:pPr/>
+              <a:t>12</a:t>
+            </a:fld>
+            <a:endParaRPr lang="en-US" dirty="0"/>
+          </a:p>
+        </p:txBody>
+      </p:sp>
+      <p:pic>
+        <p:nvPicPr>
+          <p:cNvPr id="2050" name="Picture 2" descr="Ann Swidler | Research UC Berkeley">
+            <a:extLst>
+              <a:ext uri="{FF2B5EF4-FFF2-40B4-BE49-F238E27FC236}">
+                <a16:creationId xmlns:a16="http://schemas.microsoft.com/office/drawing/2014/main" id="{8BEC9AF4-1537-4F69-B72E-52B715630B2D}"/>
+              </a:ext>
+            </a:extLst>
+          </p:cNvPr>
+          <p:cNvPicPr>
+            <a:picLocks noChangeAspect="1" noChangeArrowheads="1"/>
+          </p:cNvPicPr>
+          <p:nvPr/>
+        </p:nvPicPr>
+        <p:blipFill>
+          <a:blip r:embed="rId2">
+            <a:extLst>
+              <a:ext uri="{28A0092B-C50C-407E-A947-70E740481C1C}">
+                <a14:useLocalDpi xmlns:a14="http://schemas.microsoft.com/office/drawing/2010/main" val="0"/>
+              </a:ext>
+            </a:extLst>
+          </a:blip>
+          <a:srcRect/>
+          <a:stretch>
+            <a:fillRect/>
+          </a:stretch>
+        </p:blipFill>
+        <p:spPr bwMode="auto">
+          <a:xfrm>
+            <a:off x="9948771" y="0"/>
+            <a:ext cx="1531620" cy="1914525"/>
+          </a:xfrm>
+          <a:prstGeom prst="rect">
+            <a:avLst/>
+          </a:prstGeom>
+          <a:noFill/>
+          <a:extLst>
+            <a:ext uri="{909E8E84-426E-40DD-AFC4-6F175D3DCCD1}">
+              <a14:hiddenFill xmlns:a14="http://schemas.microsoft.com/office/drawing/2010/main">
+                <a:solidFill>
+                  <a:srgbClr val="FFFFFF"/>
+                </a:solidFill>
+              </a14:hiddenFill>
+            </a:ext>
+          </a:extLst>
+        </p:spPr>
+      </p:pic>
+    </p:spTree>
+    <p:extLst>
+      <p:ext uri="{BB962C8B-B14F-4D97-AF65-F5344CB8AC3E}">
+        <p14:creationId xmlns:p14="http://schemas.microsoft.com/office/powerpoint/2010/main" val="1790223465"/>
+      </p:ext>
+    </p:extLst>
+  </p:cSld>
+  <p:clrMapOvr>
+    <a:masterClrMapping/>
+  </p:clrMapOvr>
+</p:sld>
+</file>
+
+<file path=ppt/slides/slide13.xml><?xml version="1.0" encoding="utf-8"?>
+<p:sld xmlns:a="http://schemas.openxmlformats.org/drawingml/2006/main" xmlns:r="http://schemas.openxmlformats.org/officeDocument/2006/relationships" xmlns:p="http://schemas.openxmlformats.org/presentationml/2006/main">
+  <p:cSld>
+    <p:spTree>
+      <p:nvGrpSpPr>
+        <p:cNvPr id="1" name=""/>
+        <p:cNvGrpSpPr/>
+        <p:nvPr/>
+      </p:nvGrpSpPr>
+      <p:grpSpPr>
+        <a:xfrm>
+          <a:off x="0" y="0"/>
+          <a:ext cx="0" cy="0"/>
+          <a:chOff x="0" y="0"/>
+          <a:chExt cx="0" cy="0"/>
+        </a:xfrm>
+      </p:grpSpPr>
+      <p:sp>
+        <p:nvSpPr>
+          <p:cNvPr id="2" name="Title 1">
+            <a:extLst>
+              <a:ext uri="{FF2B5EF4-FFF2-40B4-BE49-F238E27FC236}">
+                <a16:creationId xmlns:a16="http://schemas.microsoft.com/office/drawing/2014/main" id="{DB2E300C-37FE-4904-BF59-7633ABC44B66}"/>
+              </a:ext>
+            </a:extLst>
+          </p:cNvPr>
+          <p:cNvSpPr>
+            <a:spLocks noGrp="1"/>
+          </p:cNvSpPr>
+          <p:nvPr>
+            <p:ph type="title"/>
+          </p:nvPr>
+        </p:nvSpPr>
+        <p:spPr/>
+        <p:txBody>
+          <a:bodyPr/>
+          <a:lstStyle/>
+          <a:p>
+            <a:r>
+              <a:rPr lang="en-US" dirty="0"/>
+              <a:t>p281</a:t>
+            </a:r>
+          </a:p>
+        </p:txBody>
+      </p:sp>
+      <p:sp>
+        <p:nvSpPr>
+          <p:cNvPr id="3" name="Text Placeholder 2">
+            <a:extLst>
+              <a:ext uri="{FF2B5EF4-FFF2-40B4-BE49-F238E27FC236}">
+                <a16:creationId xmlns:a16="http://schemas.microsoft.com/office/drawing/2014/main" id="{D7B45096-00AA-41C6-8A08-FD1E400B2AE0}"/>
+              </a:ext>
+            </a:extLst>
+          </p:cNvPr>
+          <p:cNvSpPr>
+            <a:spLocks noGrp="1"/>
+          </p:cNvSpPr>
+          <p:nvPr>
+            <p:ph type="body" idx="1"/>
+          </p:nvPr>
+        </p:nvSpPr>
+        <p:spPr/>
+        <p:txBody>
+          <a:bodyPr/>
+          <a:lstStyle/>
+          <a:p>
+            <a:r>
+              <a:rPr lang="en-US" dirty="0"/>
+              <a:t>‘Such cultural influence can be observed in "cultural lag." People do not readily take ad- vantage of new structural opportunities which would require them to abandon established ways of life. This is not because they cling to cultural values, but because they are reluctant to abandon familiar strategies of action for which they have the cultural equipment.’</a:t>
+            </a:r>
+          </a:p>
+        </p:txBody>
+      </p:sp>
+      <p:sp>
+        <p:nvSpPr>
+          <p:cNvPr id="4" name="Date Placeholder 3">
+            <a:extLst>
+              <a:ext uri="{FF2B5EF4-FFF2-40B4-BE49-F238E27FC236}">
+                <a16:creationId xmlns:a16="http://schemas.microsoft.com/office/drawing/2014/main" id="{6A8505A9-B9EB-4A48-9810-CA88284D62A9}"/>
+              </a:ext>
+            </a:extLst>
+          </p:cNvPr>
+          <p:cNvSpPr>
+            <a:spLocks noGrp="1"/>
+          </p:cNvSpPr>
+          <p:nvPr>
+            <p:ph type="dt" idx="10"/>
+          </p:nvPr>
+        </p:nvSpPr>
+        <p:spPr/>
+        <p:txBody>
+          <a:bodyPr/>
+          <a:lstStyle/>
+          <a:p>
+            <a:fld id="{5B328F08-64B6-4D47-B5C4-52F88B5EC870}" type="datetime1">
+              <a:rPr lang="en-US" smtClean="0"/>
+              <a:t>4/21/2022</a:t>
+            </a:fld>
+            <a:endParaRPr lang="en-US" dirty="0"/>
+          </a:p>
+        </p:txBody>
+      </p:sp>
+      <p:sp>
+        <p:nvSpPr>
+          <p:cNvPr id="5" name="Slide Number Placeholder 4">
+            <a:extLst>
+              <a:ext uri="{FF2B5EF4-FFF2-40B4-BE49-F238E27FC236}">
+                <a16:creationId xmlns:a16="http://schemas.microsoft.com/office/drawing/2014/main" id="{E9FE1E70-09B8-4E0D-93B0-8BBA8F328045}"/>
+              </a:ext>
+            </a:extLst>
+          </p:cNvPr>
+          <p:cNvSpPr>
+            <a:spLocks noGrp="1"/>
+          </p:cNvSpPr>
+          <p:nvPr>
+            <p:ph type="sldNum" idx="12"/>
+          </p:nvPr>
+        </p:nvSpPr>
+        <p:spPr/>
+        <p:txBody>
+          <a:bodyPr/>
+          <a:lstStyle/>
+          <a:p>
+            <a:fld id="{00000000-1234-1234-1234-123412341234}" type="slidenum">
+              <a:rPr lang="en-US" smtClean="0"/>
+              <a:pPr/>
+              <a:t>13</a:t>
+            </a:fld>
+            <a:endParaRPr lang="en-US" dirty="0"/>
+          </a:p>
+        </p:txBody>
+      </p:sp>
+    </p:spTree>
+    <p:extLst>
+      <p:ext uri="{BB962C8B-B14F-4D97-AF65-F5344CB8AC3E}">
+        <p14:creationId xmlns:p14="http://schemas.microsoft.com/office/powerpoint/2010/main" val="2835386734"/>
       </p:ext>
     </p:extLst>
   </p:cSld>
@@ -15548,7 +15035,7 @@
           <a:p>
             <a:fld id="{023BF1C4-9E88-49A2-B70A-53643B2370B0}" type="datetime1">
               <a:rPr lang="en-US" smtClean="0"/>
-              <a:t>4/19/2022</a:t>
+              <a:t>4/21/2022</a:t>
             </a:fld>
             <a:endParaRPr lang="en-US" dirty="0"/>
           </a:p>
@@ -15597,7 +15084,7 @@
   <p:cSld>
     <p:spTree>
       <p:nvGrpSpPr>
-        <p:cNvPr id="1" name=""/>
+        <p:cNvPr id="1" name="Shape 119"/>
         <p:cNvGrpSpPr/>
         <p:nvPr/>
       </p:nvGrpSpPr>
@@ -15611,42 +15098,189 @@
       </p:grpSpPr>
       <p:sp>
         <p:nvSpPr>
-          <p:cNvPr id="2" name="Title 1">
-            <a:extLst>
-              <a:ext uri="{FF2B5EF4-FFF2-40B4-BE49-F238E27FC236}">
-                <a16:creationId xmlns:a16="http://schemas.microsoft.com/office/drawing/2014/main" id="{F0897996-18BA-494F-9834-BDA495D4F1A0}"/>
-              </a:ext>
-            </a:extLst>
-          </p:cNvPr>
-          <p:cNvSpPr>
+          <p:cNvPr id="120" name="Google Shape;120;p7"/>
+          <p:cNvSpPr txBox="1">
             <a:spLocks noGrp="1"/>
           </p:cNvSpPr>
           <p:nvPr>
             <p:ph type="title"/>
           </p:nvPr>
         </p:nvSpPr>
-        <p:spPr/>
+        <p:spPr>
+          <a:xfrm>
+            <a:off x="5214579" y="629266"/>
+            <a:ext cx="6422849" cy="1676603"/>
+          </a:xfrm>
+          <a:prstGeom prst="rect">
+            <a:avLst/>
+          </a:prstGeom>
+          <a:noFill/>
+          <a:ln>
+            <a:noFill/>
+          </a:ln>
+        </p:spPr>
         <p:txBody>
-          <a:bodyPr/>
+          <a:bodyPr spcFirstLastPara="1" wrap="square" lIns="91425" tIns="45700" rIns="91425" bIns="45700" anchor="ctr" anchorCtr="0">
+            <a:normAutofit/>
+          </a:bodyPr>
           <a:lstStyle/>
           <a:p>
+            <a:pPr marL="0" lvl="0" indent="0" algn="l" rtl="0">
+              <a:lnSpc>
+                <a:spcPct val="90000"/>
+              </a:lnSpc>
+              <a:spcBef>
+                <a:spcPts val="0"/>
+              </a:spcBef>
+              <a:spcAft>
+                <a:spcPts val="0"/>
+              </a:spcAft>
+              <a:buClr>
+                <a:schemeClr val="dk1"/>
+              </a:buClr>
+              <a:buSzPts val="4400"/>
+              <a:buFont typeface="Calibri"/>
+              <a:buNone/>
+            </a:pPr>
             <a:r>
-              <a:rPr lang="en-US" dirty="0"/>
-              <a:t>Ann Swidler, Culture in Action (1987)</a:t>
+              <a:rPr lang="en-US" b="1" dirty="0"/>
+              <a:t>Cultural Capital and Pierre Bourdieu</a:t>
             </a:r>
+            <a:endParaRPr b="1" dirty="0"/>
           </a:p>
         </p:txBody>
       </p:sp>
       <p:sp>
         <p:nvSpPr>
-          <p:cNvPr id="3" name="Text Placeholder 2">
-            <a:extLst>
-              <a:ext uri="{FF2B5EF4-FFF2-40B4-BE49-F238E27FC236}">
-                <a16:creationId xmlns:a16="http://schemas.microsoft.com/office/drawing/2014/main" id="{D4E47673-A3D8-456B-B7AC-5587F05B913F}"/>
-              </a:ext>
-            </a:extLst>
-          </p:cNvPr>
-          <p:cNvSpPr>
+          <p:cNvPr id="121" name="Google Shape;121;p7"/>
+          <p:cNvSpPr/>
+          <p:nvPr/>
+        </p:nvSpPr>
+        <p:spPr>
+          <a:xfrm>
+            <a:off x="0" y="0"/>
+            <a:ext cx="4636008" cy="6858000"/>
+          </a:xfrm>
+          <a:prstGeom prst="rect">
+            <a:avLst/>
+          </a:prstGeom>
+          <a:solidFill>
+            <a:srgbClr val="877967"/>
+          </a:solidFill>
+          <a:ln>
+            <a:noFill/>
+          </a:ln>
+        </p:spPr>
+        <p:txBody>
+          <a:bodyPr spcFirstLastPara="1" wrap="square" lIns="91425" tIns="45700" rIns="91425" bIns="45700" anchor="ctr" anchorCtr="0">
+            <a:noAutofit/>
+          </a:bodyPr>
+          <a:lstStyle/>
+          <a:p>
+            <a:pPr marL="0" marR="0" lvl="0" indent="0" algn="ctr" rtl="0">
+              <a:lnSpc>
+                <a:spcPct val="100000"/>
+              </a:lnSpc>
+              <a:spcBef>
+                <a:spcPts val="0"/>
+              </a:spcBef>
+              <a:spcAft>
+                <a:spcPts val="0"/>
+              </a:spcAft>
+              <a:buClr>
+                <a:schemeClr val="lt1"/>
+              </a:buClr>
+              <a:buSzPts val="1800"/>
+              <a:buFont typeface="Calibri"/>
+              <a:buNone/>
+            </a:pPr>
+            <a:endParaRPr sz="1800" b="0" i="0" u="none" strike="noStrike" cap="none" dirty="0">
+              <a:solidFill>
+                <a:srgbClr val="FFFFFF"/>
+              </a:solidFill>
+              <a:latin typeface="Bahnschrift" panose="020B0502040204020203" pitchFamily="34" charset="0"/>
+              <a:ea typeface="Calibri"/>
+              <a:cs typeface="Calibri"/>
+              <a:sym typeface="Calibri"/>
+            </a:endParaRPr>
+          </a:p>
+        </p:txBody>
+      </p:sp>
+      <p:sp>
+        <p:nvSpPr>
+          <p:cNvPr id="122" name="Google Shape;122;p7"/>
+          <p:cNvSpPr/>
+          <p:nvPr/>
+        </p:nvSpPr>
+        <p:spPr>
+          <a:xfrm>
+            <a:off x="484631" y="505245"/>
+            <a:ext cx="3666744" cy="5739187"/>
+          </a:xfrm>
+          <a:prstGeom prst="roundRect">
+            <a:avLst>
+              <a:gd name="adj" fmla="val 0"/>
+            </a:avLst>
+          </a:prstGeom>
+          <a:solidFill>
+            <a:srgbClr val="FFFFFF"/>
+          </a:solidFill>
+          <a:ln w="9525" cap="flat" cmpd="sng">
+            <a:solidFill>
+              <a:srgbClr val="C8CACA"/>
+            </a:solidFill>
+            <a:prstDash val="solid"/>
+            <a:miter lim="800000"/>
+            <a:headEnd type="none" w="sm" len="sm"/>
+            <a:tailEnd type="none" w="sm" len="sm"/>
+          </a:ln>
+          <a:effectLst>
+            <a:outerShdw blurRad="57150" dist="19050" dir="5400000" algn="t" rotWithShape="0">
+              <a:srgbClr val="000000">
+                <a:alpha val="62745"/>
+              </a:srgbClr>
+            </a:outerShdw>
+          </a:effectLst>
+        </p:spPr>
+        <p:txBody>
+          <a:bodyPr spcFirstLastPara="1" wrap="square" lIns="91425" tIns="45700" rIns="91425" bIns="45700" anchor="ctr" anchorCtr="0">
+            <a:noAutofit/>
+          </a:bodyPr>
+          <a:lstStyle/>
+          <a:p>
+            <a:pPr marL="0" marR="0" lvl="0" indent="0" algn="ctr" rtl="0">
+              <a:lnSpc>
+                <a:spcPct val="100000"/>
+              </a:lnSpc>
+              <a:spcBef>
+                <a:spcPts val="0"/>
+              </a:spcBef>
+              <a:spcAft>
+                <a:spcPts val="0"/>
+              </a:spcAft>
+              <a:buClr>
+                <a:schemeClr val="lt1"/>
+              </a:buClr>
+              <a:buSzPts val="1800"/>
+              <a:buFont typeface="Calibri"/>
+              <a:buNone/>
+            </a:pPr>
+            <a:endParaRPr sz="1800" b="0" i="0" u="none" strike="noStrike" cap="none" dirty="0">
+              <a:solidFill>
+                <a:srgbClr val="FFFFFF"/>
+              </a:solidFill>
+              <a:latin typeface="Bahnschrift" panose="020B0502040204020203" pitchFamily="34" charset="0"/>
+              <a:ea typeface="Calibri"/>
+              <a:cs typeface="Calibri"/>
+              <a:sym typeface="Calibri"/>
+            </a:endParaRPr>
+          </a:p>
+        </p:txBody>
+      </p:sp>
+      <p:sp>
+        <p:nvSpPr>
+          <p:cNvPr id="124" name="Google Shape;124;p7"/>
+          <p:cNvSpPr txBox="1">
             <a:spLocks noGrp="1"/>
           </p:cNvSpPr>
           <p:nvPr>
@@ -15655,45 +15289,463 @@
         </p:nvSpPr>
         <p:spPr>
           <a:xfrm>
-            <a:off x="838200" y="1719570"/>
-            <a:ext cx="10515600" cy="4351338"/>
+            <a:off x="5214579" y="2305869"/>
+            <a:ext cx="6422848" cy="3785419"/>
           </a:xfrm>
+          <a:prstGeom prst="rect">
+            <a:avLst/>
+          </a:prstGeom>
+          <a:noFill/>
+          <a:ln>
+            <a:noFill/>
+          </a:ln>
         </p:spPr>
         <p:txBody>
-          <a:bodyPr/>
+          <a:bodyPr spcFirstLastPara="1" wrap="square" lIns="91425" tIns="45700" rIns="91425" bIns="45700" anchor="t" anchorCtr="0">
+            <a:normAutofit fontScale="92500"/>
+          </a:bodyPr>
           <a:lstStyle/>
           <a:p>
+            <a:pPr marL="228600" indent="-228600">
+              <a:buSzPts val="2000"/>
+            </a:pPr>
             <a:r>
-              <a:rPr lang="en-US" dirty="0"/>
-              <a:t>Most highly cited paper in cultural sociology (12121 times by today) </a:t>
+              <a:rPr lang="en-US" sz="2400" dirty="0"/>
+              <a:t>Bourdieu, Pierre and Jean-Claude </a:t>
+            </a:r>
+            <a:r>
+              <a:rPr lang="en-US" sz="2400" dirty="0" err="1"/>
+              <a:t>Passeron</a:t>
+            </a:r>
+            <a:r>
+              <a:rPr lang="en-US" sz="2400" dirty="0"/>
+              <a:t>. 1977[1970]. </a:t>
+            </a:r>
+            <a:r>
+              <a:rPr lang="en-US" sz="2400" i="1" dirty="0"/>
+              <a:t>Reproduction in Education, Society and Culture</a:t>
+            </a:r>
+            <a:r>
+              <a:rPr lang="en-US" sz="2400" dirty="0"/>
+              <a:t>. Beverly Hills, CA: Sage. </a:t>
             </a:r>
           </a:p>
           <a:p>
+            <a:pPr marL="685800" lvl="1" indent="-228600">
+              <a:buSzPts val="2000"/>
+            </a:pPr>
             <a:r>
-              <a:rPr lang="en-US" dirty="0"/>
-              <a:t>Key question: Does culture “matter”—i.e., causally impact social action? </a:t>
+              <a:rPr lang="en-US" sz="2000" dirty="0">
+                <a:latin typeface="Bahnschrift" panose="020B0502040204020203" pitchFamily="34" charset="0"/>
+              </a:rPr>
+              <a:t>Reproduction of educational attainment by family background (dominant vs subordinate class)</a:t>
             </a:r>
           </a:p>
           <a:p>
+            <a:pPr marL="685800" lvl="1" indent="-228600">
+              <a:buSzPts val="2000"/>
+            </a:pPr>
             <a:r>
-              <a:rPr lang="en-US" dirty="0"/>
-              <a:t>Critique: Culture as values that define the ends and goals of actions; Culture of poverty</a:t>
+              <a:rPr lang="en-US" sz="2000" dirty="0">
+                <a:latin typeface="Bahnschrift" panose="020B0502040204020203" pitchFamily="34" charset="0"/>
+              </a:rPr>
+              <a:t>Legitimation</a:t>
             </a:r>
           </a:p>
           <a:p>
+            <a:pPr marL="228600" indent="-228600">
+              <a:spcBef>
+                <a:spcPts val="500"/>
+              </a:spcBef>
+              <a:buSzPts val="2000"/>
+            </a:pPr>
             <a:r>
-              <a:rPr lang="en-US" dirty="0"/>
-              <a:t>Establish: Culture = tool kit for constructing strategies of action</a:t>
+              <a:rPr lang="en-US" sz="2400" dirty="0"/>
+              <a:t>Lamont and Lareau (1988): institutionalized, i.e., widely shared, high status cultural signals (attitudes, preferences, formal knowledge, behaviors, goods and credentials) used for social and cultural exclusion</a:t>
+            </a:r>
+          </a:p>
+          <a:p>
+            <a:pPr marL="685800" lvl="1" indent="-228600" algn="l" rtl="0">
+              <a:lnSpc>
+                <a:spcPct val="90000"/>
+              </a:lnSpc>
+              <a:spcBef>
+                <a:spcPts val="500"/>
+              </a:spcBef>
+              <a:spcAft>
+                <a:spcPts val="0"/>
+              </a:spcAft>
+              <a:buClr>
+                <a:schemeClr val="dk1"/>
+              </a:buClr>
+              <a:buSzPts val="2000"/>
+              <a:buChar char="•"/>
+            </a:pPr>
+            <a:endParaRPr lang="en-US" dirty="0">
+              <a:latin typeface="Bahnschrift" panose="020B0502040204020203" pitchFamily="34" charset="0"/>
+            </a:endParaRPr>
+          </a:p>
+        </p:txBody>
+      </p:sp>
+      <p:pic>
+        <p:nvPicPr>
+          <p:cNvPr id="1026" name="Picture 2" descr="Pierre Bourdieu - Wikipedia">
+            <a:extLst>
+              <a:ext uri="{FF2B5EF4-FFF2-40B4-BE49-F238E27FC236}">
+                <a16:creationId xmlns:a16="http://schemas.microsoft.com/office/drawing/2014/main" id="{79DE28AC-4008-4E14-AC72-4594D3541A2C}"/>
+              </a:ext>
+            </a:extLst>
+          </p:cNvPr>
+          <p:cNvPicPr>
+            <a:picLocks noChangeAspect="1" noChangeArrowheads="1"/>
+          </p:cNvPicPr>
+          <p:nvPr/>
+        </p:nvPicPr>
+        <p:blipFill>
+          <a:blip r:embed="rId3">
+            <a:extLst>
+              <a:ext uri="{28A0092B-C50C-407E-A947-70E740481C1C}">
+                <a14:useLocalDpi xmlns:a14="http://schemas.microsoft.com/office/drawing/2010/main" val="0"/>
+              </a:ext>
+            </a:extLst>
+          </a:blip>
+          <a:srcRect/>
+          <a:stretch>
+            <a:fillRect/>
+          </a:stretch>
+        </p:blipFill>
+        <p:spPr bwMode="auto">
+          <a:xfrm>
+            <a:off x="823576" y="1011218"/>
+            <a:ext cx="2988855" cy="4314017"/>
+          </a:xfrm>
+          <a:prstGeom prst="rect">
+            <a:avLst/>
+          </a:prstGeom>
+          <a:noFill/>
+          <a:extLst>
+            <a:ext uri="{909E8E84-426E-40DD-AFC4-6F175D3DCCD1}">
+              <a14:hiddenFill xmlns:a14="http://schemas.microsoft.com/office/drawing/2010/main">
+                <a:solidFill>
+                  <a:srgbClr val="FFFFFF"/>
+                </a:solidFill>
+              </a14:hiddenFill>
+            </a:ext>
+          </a:extLst>
+        </p:spPr>
+      </p:pic>
+      <p:sp>
+        <p:nvSpPr>
+          <p:cNvPr id="3" name="Rectangle 4">
+            <a:extLst>
+              <a:ext uri="{FF2B5EF4-FFF2-40B4-BE49-F238E27FC236}">
+                <a16:creationId xmlns:a16="http://schemas.microsoft.com/office/drawing/2014/main" id="{70A8D775-875C-4F0A-960E-2B0FBA876B73}"/>
+              </a:ext>
+            </a:extLst>
+          </p:cNvPr>
+          <p:cNvSpPr>
+            <a:spLocks noChangeArrowheads="1"/>
+          </p:cNvSpPr>
+          <p:nvPr/>
+        </p:nvSpPr>
+        <p:spPr bwMode="auto">
+          <a:xfrm>
+            <a:off x="171852" y="5413850"/>
+            <a:ext cx="4372716" cy="584775"/>
+          </a:xfrm>
+          <a:prstGeom prst="rect">
+            <a:avLst/>
+          </a:prstGeom>
+          <a:solidFill>
+            <a:srgbClr val="FFFFFF"/>
+          </a:solidFill>
+          <a:ln>
+            <a:noFill/>
+          </a:ln>
+          <a:effectLst/>
+          <a:extLst>
+            <a:ext uri="{91240B29-F687-4F45-9708-019B960494DF}">
+              <a14:hiddenLine xmlns:a14="http://schemas.microsoft.com/office/drawing/2010/main" w="9525">
+                <a:solidFill>
+                  <a:schemeClr val="tx1"/>
+                </a:solidFill>
+                <a:miter lim="800000"/>
+                <a:headEnd/>
+                <a:tailEnd/>
+              </a14:hiddenLine>
+            </a:ext>
+            <a:ext uri="{AF507438-7753-43E0-B8FC-AC1667EBCBE1}">
+              <a14:hiddenEffects xmlns:a14="http://schemas.microsoft.com/office/drawing/2010/main">
+                <a:effectLst>
+                  <a:outerShdw dist="35921" dir="2700000" algn="ctr" rotWithShape="0">
+                    <a:schemeClr val="bg2"/>
+                  </a:outerShdw>
+                </a:effectLst>
+              </a14:hiddenEffects>
+            </a:ext>
+          </a:extLst>
+        </p:spPr>
+        <p:txBody>
+          <a:bodyPr vert="horz" wrap="square" lIns="91440" tIns="45720" rIns="91440" bIns="45720" numCol="1" anchor="ctr" anchorCtr="0" compatLnSpc="1">
+            <a:prstTxWarp prst="textNoShape">
+              <a:avLst/>
+            </a:prstTxWarp>
+            <a:spAutoFit/>
+          </a:bodyPr>
+          <a:lstStyle>
+            <a:lvl1pPr eaLnBrk="0" fontAlgn="base" hangingPunct="0">
+              <a:spcBef>
+                <a:spcPct val="0"/>
+              </a:spcBef>
+              <a:spcAft>
+                <a:spcPct val="0"/>
+              </a:spcAft>
+              <a:defRPr>
+                <a:solidFill>
+                  <a:schemeClr val="tx1"/>
+                </a:solidFill>
+                <a:latin typeface="Arial" panose="020B0604020202020204" pitchFamily="34" charset="0"/>
+              </a:defRPr>
+            </a:lvl1pPr>
+            <a:lvl2pPr marL="457200" eaLnBrk="0" fontAlgn="base" hangingPunct="0">
+              <a:spcBef>
+                <a:spcPct val="0"/>
+              </a:spcBef>
+              <a:spcAft>
+                <a:spcPct val="0"/>
+              </a:spcAft>
+              <a:defRPr>
+                <a:solidFill>
+                  <a:schemeClr val="tx1"/>
+                </a:solidFill>
+                <a:latin typeface="Arial" panose="020B0604020202020204" pitchFamily="34" charset="0"/>
+              </a:defRPr>
+            </a:lvl2pPr>
+            <a:lvl3pPr marL="914400" eaLnBrk="0" fontAlgn="base" hangingPunct="0">
+              <a:spcBef>
+                <a:spcPct val="0"/>
+              </a:spcBef>
+              <a:spcAft>
+                <a:spcPct val="0"/>
+              </a:spcAft>
+              <a:defRPr>
+                <a:solidFill>
+                  <a:schemeClr val="tx1"/>
+                </a:solidFill>
+                <a:latin typeface="Arial" panose="020B0604020202020204" pitchFamily="34" charset="0"/>
+              </a:defRPr>
+            </a:lvl3pPr>
+            <a:lvl4pPr marL="1371600" eaLnBrk="0" fontAlgn="base" hangingPunct="0">
+              <a:spcBef>
+                <a:spcPct val="0"/>
+              </a:spcBef>
+              <a:spcAft>
+                <a:spcPct val="0"/>
+              </a:spcAft>
+              <a:defRPr>
+                <a:solidFill>
+                  <a:schemeClr val="tx1"/>
+                </a:solidFill>
+                <a:latin typeface="Arial" panose="020B0604020202020204" pitchFamily="34" charset="0"/>
+              </a:defRPr>
+            </a:lvl4pPr>
+            <a:lvl5pPr marL="1828800" eaLnBrk="0" fontAlgn="base" hangingPunct="0">
+              <a:spcBef>
+                <a:spcPct val="0"/>
+              </a:spcBef>
+              <a:spcAft>
+                <a:spcPct val="0"/>
+              </a:spcAft>
+              <a:defRPr>
+                <a:solidFill>
+                  <a:schemeClr val="tx1"/>
+                </a:solidFill>
+                <a:latin typeface="Arial" panose="020B0604020202020204" pitchFamily="34" charset="0"/>
+              </a:defRPr>
+            </a:lvl5pPr>
+            <a:lvl6pPr marL="2286000" eaLnBrk="0" fontAlgn="base" hangingPunct="0">
+              <a:spcBef>
+                <a:spcPct val="0"/>
+              </a:spcBef>
+              <a:spcAft>
+                <a:spcPct val="0"/>
+              </a:spcAft>
+              <a:defRPr>
+                <a:solidFill>
+                  <a:schemeClr val="tx1"/>
+                </a:solidFill>
+                <a:latin typeface="Arial" panose="020B0604020202020204" pitchFamily="34" charset="0"/>
+              </a:defRPr>
+            </a:lvl6pPr>
+            <a:lvl7pPr marL="2743200" eaLnBrk="0" fontAlgn="base" hangingPunct="0">
+              <a:spcBef>
+                <a:spcPct val="0"/>
+              </a:spcBef>
+              <a:spcAft>
+                <a:spcPct val="0"/>
+              </a:spcAft>
+              <a:defRPr>
+                <a:solidFill>
+                  <a:schemeClr val="tx1"/>
+                </a:solidFill>
+                <a:latin typeface="Arial" panose="020B0604020202020204" pitchFamily="34" charset="0"/>
+              </a:defRPr>
+            </a:lvl7pPr>
+            <a:lvl8pPr marL="3200400" eaLnBrk="0" fontAlgn="base" hangingPunct="0">
+              <a:spcBef>
+                <a:spcPct val="0"/>
+              </a:spcBef>
+              <a:spcAft>
+                <a:spcPct val="0"/>
+              </a:spcAft>
+              <a:defRPr>
+                <a:solidFill>
+                  <a:schemeClr val="tx1"/>
+                </a:solidFill>
+                <a:latin typeface="Arial" panose="020B0604020202020204" pitchFamily="34" charset="0"/>
+              </a:defRPr>
+            </a:lvl8pPr>
+            <a:lvl9pPr marL="3657600" eaLnBrk="0" fontAlgn="base" hangingPunct="0">
+              <a:spcBef>
+                <a:spcPct val="0"/>
+              </a:spcBef>
+              <a:spcAft>
+                <a:spcPct val="0"/>
+              </a:spcAft>
+              <a:defRPr>
+                <a:solidFill>
+                  <a:schemeClr val="tx1"/>
+                </a:solidFill>
+                <a:latin typeface="Arial" panose="020B0604020202020204" pitchFamily="34" charset="0"/>
+              </a:defRPr>
+            </a:lvl9pPr>
+          </a:lstStyle>
+          <a:p>
+            <a:pPr marL="0" marR="0" lvl="0" indent="0" algn="l" defTabSz="914400" rtl="0" eaLnBrk="0" fontAlgn="base" latinLnBrk="0" hangingPunct="0">
+              <a:lnSpc>
+                <a:spcPct val="100000"/>
+              </a:lnSpc>
+              <a:spcBef>
+                <a:spcPct val="0"/>
+              </a:spcBef>
+              <a:spcAft>
+                <a:spcPct val="0"/>
+              </a:spcAft>
+              <a:buClrTx/>
+              <a:buSzTx/>
+              <a:buFontTx/>
+              <a:buNone/>
+              <a:tabLst/>
+            </a:pPr>
+            <a:r>
+              <a:rPr kumimoji="0" lang="en-US" altLang="en-US" sz="1600" b="1" i="0" u="none" strike="noStrike" cap="none" normalizeH="0" baseline="0" dirty="0">
+                <a:ln>
+                  <a:noFill/>
+                </a:ln>
+                <a:solidFill>
+                  <a:srgbClr val="202122"/>
+                </a:solidFill>
+                <a:effectLst/>
+                <a:latin typeface="Bahnschrift" panose="020B0502040204020203" pitchFamily="34" charset="0"/>
+                <a:cs typeface="Arial" panose="020B0604020202020204" pitchFamily="34" charset="0"/>
+              </a:rPr>
+              <a:t>Pierre Bourdieu</a:t>
+            </a:r>
+            <a:r>
+              <a:rPr kumimoji="0" lang="en-US" altLang="en-US" sz="1600" b="0" i="0" u="none" strike="noStrike" cap="none" normalizeH="0" baseline="0" dirty="0">
+                <a:ln>
+                  <a:noFill/>
+                </a:ln>
+                <a:solidFill>
+                  <a:srgbClr val="202122"/>
+                </a:solidFill>
+                <a:effectLst/>
+                <a:latin typeface="Bahnschrift" panose="020B0502040204020203" pitchFamily="34" charset="0"/>
+                <a:cs typeface="Arial" panose="020B0604020202020204" pitchFamily="34" charset="0"/>
+              </a:rPr>
+              <a:t> (French: </a:t>
+            </a:r>
+            <a:r>
+              <a:rPr kumimoji="0" lang="en-US" altLang="en-US" sz="1600" b="0" i="0" u="none" strike="noStrike" cap="none" normalizeH="0" baseline="0" dirty="0">
+                <a:ln>
+                  <a:noFill/>
+                </a:ln>
+                <a:solidFill>
+                  <a:srgbClr val="0645AD"/>
+                </a:solidFill>
+                <a:effectLst/>
+                <a:latin typeface="Bahnschrift" panose="020B0502040204020203" pitchFamily="34" charset="0"/>
+                <a:cs typeface="Arial" panose="020B0604020202020204" pitchFamily="34" charset="0"/>
+                <a:hlinkClick r:id="rId4" tooltip="Help:IPA/French"/>
+              </a:rPr>
+              <a:t>[</a:t>
+            </a:r>
+            <a:r>
+              <a:rPr kumimoji="0" lang="en-US" altLang="en-US" sz="1600" b="0" i="0" u="none" strike="noStrike" cap="none" normalizeH="0" baseline="0" dirty="0" err="1">
+                <a:ln>
+                  <a:noFill/>
+                </a:ln>
+                <a:solidFill>
+                  <a:srgbClr val="0645AD"/>
+                </a:solidFill>
+                <a:effectLst/>
+                <a:latin typeface="Bahnschrift" panose="020B0502040204020203" pitchFamily="34" charset="0"/>
+                <a:cs typeface="Arial" panose="020B0604020202020204" pitchFamily="34" charset="0"/>
+                <a:hlinkClick r:id="rId4" tooltip="Help:IPA/French"/>
+              </a:rPr>
+              <a:t>buʁdjø</a:t>
+            </a:r>
+            <a:r>
+              <a:rPr kumimoji="0" lang="en-US" altLang="en-US" sz="1600" b="0" i="0" u="none" strike="noStrike" cap="none" normalizeH="0" baseline="0" dirty="0">
+                <a:ln>
+                  <a:noFill/>
+                </a:ln>
+                <a:solidFill>
+                  <a:srgbClr val="0645AD"/>
+                </a:solidFill>
+                <a:effectLst/>
+                <a:latin typeface="Bahnschrift" panose="020B0502040204020203" pitchFamily="34" charset="0"/>
+                <a:cs typeface="Arial" panose="020B0604020202020204" pitchFamily="34" charset="0"/>
+                <a:hlinkClick r:id="rId4" tooltip="Help:IPA/French"/>
+              </a:rPr>
+              <a:t>]</a:t>
+            </a:r>
+            <a:r>
+              <a:rPr kumimoji="0" lang="en-US" altLang="en-US" sz="1600" b="0" i="0" u="none" strike="noStrike" cap="none" normalizeH="0" baseline="0" dirty="0">
+                <a:ln>
+                  <a:noFill/>
+                </a:ln>
+                <a:solidFill>
+                  <a:srgbClr val="202122"/>
+                </a:solidFill>
+                <a:effectLst/>
+                <a:latin typeface="Bahnschrift" panose="020B0502040204020203" pitchFamily="34" charset="0"/>
+                <a:cs typeface="Arial" panose="020B0604020202020204" pitchFamily="34" charset="0"/>
+              </a:rPr>
+              <a:t>; 1 August 1930 – 23 January 2002) </a:t>
+            </a:r>
+            <a:r>
+              <a:rPr kumimoji="0" lang="en-US" altLang="en-US" sz="1600" b="0" i="0" u="none" strike="noStrike" cap="none" normalizeH="0" baseline="0" dirty="0">
+                <a:ln>
+                  <a:noFill/>
+                </a:ln>
+                <a:solidFill>
+                  <a:schemeClr val="tx1"/>
+                </a:solidFill>
+                <a:effectLst/>
+                <a:latin typeface="Bahnschrift" panose="020B0502040204020203" pitchFamily="34" charset="0"/>
+              </a:rPr>
+              <a:t> </a:t>
             </a:r>
           </a:p>
         </p:txBody>
       </p:sp>
       <p:sp>
         <p:nvSpPr>
-          <p:cNvPr id="4" name="Date Placeholder 3">
+          <p:cNvPr id="2" name="Date Placeholder 1">
             <a:extLst>
               <a:ext uri="{FF2B5EF4-FFF2-40B4-BE49-F238E27FC236}">
-                <a16:creationId xmlns:a16="http://schemas.microsoft.com/office/drawing/2014/main" id="{543FB6EE-A3BE-4345-A075-66D803C577F7}"/>
+                <a16:creationId xmlns:a16="http://schemas.microsoft.com/office/drawing/2014/main" id="{E9A5A4CD-C9EA-4FED-BEA5-823DC30C11CB}"/>
               </a:ext>
             </a:extLst>
           </p:cNvPr>
@@ -15709,9 +15761,9 @@
           <a:bodyPr/>
           <a:lstStyle/>
           <a:p>
-            <a:fld id="{5FA1E280-1192-4CAD-A78E-640803E4A4D4}" type="datetime1">
+            <a:fld id="{7EAFE89E-45F9-45B6-AA40-7D71D2110CD8}" type="datetime1">
               <a:rPr lang="en-US" smtClean="0"/>
-              <a:t>4/19/2022</a:t>
+              <a:t>4/21/2022</a:t>
             </a:fld>
             <a:endParaRPr lang="en-US" dirty="0"/>
           </a:p>
@@ -15719,10 +15771,10 @@
       </p:sp>
       <p:sp>
         <p:nvSpPr>
-          <p:cNvPr id="5" name="Slide Number Placeholder 4">
+          <p:cNvPr id="4" name="Slide Number Placeholder 3">
             <a:extLst>
               <a:ext uri="{FF2B5EF4-FFF2-40B4-BE49-F238E27FC236}">
-                <a16:creationId xmlns:a16="http://schemas.microsoft.com/office/drawing/2014/main" id="{54D7384E-8841-4F32-B67A-67D451F4EAEC}"/>
+                <a16:creationId xmlns:a16="http://schemas.microsoft.com/office/drawing/2014/main" id="{EDD580D4-2444-45A7-99AB-280CF624C823}"/>
               </a:ext>
             </a:extLst>
           </p:cNvPr>
@@ -15747,59 +15799,7 @@
           </a:p>
         </p:txBody>
       </p:sp>
-      <p:pic>
-        <p:nvPicPr>
-          <p:cNvPr id="2050" name="Picture 2" descr="Ann Swidler | Research UC Berkeley">
-            <a:extLst>
-              <a:ext uri="{FF2B5EF4-FFF2-40B4-BE49-F238E27FC236}">
-                <a16:creationId xmlns:a16="http://schemas.microsoft.com/office/drawing/2014/main" id="{8BEC9AF4-1537-4F69-B72E-52B715630B2D}"/>
-              </a:ext>
-            </a:extLst>
-          </p:cNvPr>
-          <p:cNvPicPr>
-            <a:picLocks noChangeAspect="1" noChangeArrowheads="1"/>
-          </p:cNvPicPr>
-          <p:nvPr/>
-        </p:nvPicPr>
-        <p:blipFill>
-          <a:blip r:embed="rId2">
-            <a:extLst>
-              <a:ext uri="{28A0092B-C50C-407E-A947-70E740481C1C}">
-                <a14:useLocalDpi xmlns:a14="http://schemas.microsoft.com/office/drawing/2010/main" val="0"/>
-              </a:ext>
-            </a:extLst>
-          </a:blip>
-          <a:srcRect/>
-          <a:stretch>
-            <a:fillRect/>
-          </a:stretch>
-        </p:blipFill>
-        <p:spPr bwMode="auto">
-          <a:xfrm>
-            <a:off x="9948771" y="0"/>
-            <a:ext cx="1531620" cy="1914525"/>
-          </a:xfrm>
-          <a:prstGeom prst="rect">
-            <a:avLst/>
-          </a:prstGeom>
-          <a:noFill/>
-          <a:extLst>
-            <a:ext uri="{909E8E84-426E-40DD-AFC4-6F175D3DCCD1}">
-              <a14:hiddenFill xmlns:a14="http://schemas.microsoft.com/office/drawing/2010/main">
-                <a:solidFill>
-                  <a:srgbClr val="FFFFFF"/>
-                </a:solidFill>
-              </a14:hiddenFill>
-            </a:ext>
-          </a:extLst>
-        </p:spPr>
-      </p:pic>
     </p:spTree>
-    <p:extLst>
-      <p:ext uri="{BB962C8B-B14F-4D97-AF65-F5344CB8AC3E}">
-        <p14:creationId xmlns:p14="http://schemas.microsoft.com/office/powerpoint/2010/main" val="1790223465"/>
-      </p:ext>
-    </p:extLst>
   </p:cSld>
   <p:clrMapOvr>
     <a:masterClrMapping/>
